--- a/xPlorer Plugin Demo.pptx
+++ b/xPlorer Plugin Demo.pptx
@@ -5,19 +5,28 @@
     <p:sldMasterId id="2147483648" r:id="rId1"/>
   </p:sldMasterIdLst>
   <p:notesMasterIdLst>
-    <p:notesMasterId r:id="rId12"/>
+    <p:notesMasterId r:id="rId21"/>
   </p:notesMasterIdLst>
   <p:sldIdLst>
     <p:sldId id="256" r:id="rId2"/>
-    <p:sldId id="257" r:id="rId3"/>
-    <p:sldId id="258" r:id="rId4"/>
-    <p:sldId id="265" r:id="rId5"/>
-    <p:sldId id="263" r:id="rId6"/>
-    <p:sldId id="259" r:id="rId7"/>
-    <p:sldId id="261" r:id="rId8"/>
-    <p:sldId id="262" r:id="rId9"/>
-    <p:sldId id="266" r:id="rId10"/>
-    <p:sldId id="264" r:id="rId11"/>
+    <p:sldId id="276" r:id="rId3"/>
+    <p:sldId id="257" r:id="rId4"/>
+    <p:sldId id="272" r:id="rId5"/>
+    <p:sldId id="267" r:id="rId6"/>
+    <p:sldId id="268" r:id="rId7"/>
+    <p:sldId id="269" r:id="rId8"/>
+    <p:sldId id="277" r:id="rId9"/>
+    <p:sldId id="273" r:id="rId10"/>
+    <p:sldId id="258" r:id="rId11"/>
+    <p:sldId id="270" r:id="rId12"/>
+    <p:sldId id="271" r:id="rId13"/>
+    <p:sldId id="265" r:id="rId14"/>
+    <p:sldId id="263" r:id="rId15"/>
+    <p:sldId id="262" r:id="rId16"/>
+    <p:sldId id="274" r:id="rId17"/>
+    <p:sldId id="275" r:id="rId18"/>
+    <p:sldId id="266" r:id="rId19"/>
+    <p:sldId id="264" r:id="rId20"/>
   </p:sldIdLst>
   <p:sldSz cx="12192000" cy="6858000"/>
   <p:notesSz cx="6858000" cy="9144000"/>
@@ -539,6 +548,44 @@
             <a:pPr marL="228600" indent="-228600">
               <a:buAutoNum type="arabicPeriod"/>
             </a:pPr>
+            <a:r>
+              <a:rPr lang="en-US" dirty="0"/>
+              <a:t>One thing I still don’t know is why only one of the Starter’s show up with my logic there should be two with different </a:t>
+            </a:r>
+            <a:r>
+              <a:rPr lang="en-US" dirty="0" err="1"/>
+              <a:t>hexvalues</a:t>
+            </a:r>
+            <a:r>
+              <a:rPr lang="en-US" dirty="0"/>
+              <a:t>, one for </a:t>
+            </a:r>
+            <a:r>
+              <a:rPr lang="en-US" dirty="0" err="1"/>
+              <a:t>cmd</a:t>
+            </a:r>
+            <a:r>
+              <a:rPr lang="en-US" dirty="0"/>
+              <a:t> </a:t>
+            </a:r>
+            <a:r>
+              <a:rPr lang="en-US" dirty="0" err="1"/>
+              <a:t>idx</a:t>
+            </a:r>
+            <a:r>
+              <a:rPr lang="en-US" dirty="0"/>
+              <a:t> and one for </a:t>
+            </a:r>
+            <a:r>
+              <a:rPr lang="en-US" dirty="0" err="1"/>
+              <a:t>fflba</a:t>
+            </a:r>
+            <a:endParaRPr lang="en-US" dirty="0"/>
+          </a:p>
+          <a:p>
+            <a:pPr marL="228600" indent="-228600">
+              <a:buAutoNum type="arabicPeriod"/>
+            </a:pPr>
             <a:endParaRPr lang="en-US" dirty="0"/>
           </a:p>
         </p:txBody>
@@ -644,7 +691,7 @@
           <a:p>
             <a:fld id="{BC6893F0-FBA7-492A-B1D9-D0AD2A557853}" type="slidenum">
               <a:rPr lang="en-US" smtClean="0"/>
-              <a:t>2</a:t>
+              <a:t>3</a:t>
             </a:fld>
             <a:endParaRPr lang="en-US"/>
           </a:p>
@@ -654,6 +701,506 @@
     <p:extLst>
       <p:ext uri="{BB962C8B-B14F-4D97-AF65-F5344CB8AC3E}">
         <p14:creationId xmlns:p14="http://schemas.microsoft.com/office/powerpoint/2010/main" val="413572823"/>
+      </p:ext>
+    </p:extLst>
+  </p:cSld>
+  <p:clrMapOvr>
+    <a:masterClrMapping/>
+  </p:clrMapOvr>
+</p:notes>
+</file>
+
+<file path=ppt/notesSlides/notesSlide3.xml><?xml version="1.0" encoding="utf-8"?>
+<p:notes xmlns:a="http://schemas.openxmlformats.org/drawingml/2006/main" xmlns:r="http://schemas.openxmlformats.org/officeDocument/2006/relationships" xmlns:p="http://schemas.openxmlformats.org/presentationml/2006/main">
+  <p:cSld>
+    <p:spTree>
+      <p:nvGrpSpPr>
+        <p:cNvPr id="1" name=""/>
+        <p:cNvGrpSpPr/>
+        <p:nvPr/>
+      </p:nvGrpSpPr>
+      <p:grpSpPr>
+        <a:xfrm>
+          <a:off x="0" y="0"/>
+          <a:ext cx="0" cy="0"/>
+          <a:chOff x="0" y="0"/>
+          <a:chExt cx="0" cy="0"/>
+        </a:xfrm>
+      </p:grpSpPr>
+      <p:sp>
+        <p:nvSpPr>
+          <p:cNvPr id="2" name="Slide Image Placeholder 1"/>
+          <p:cNvSpPr>
+            <a:spLocks noGrp="1" noRot="1" noChangeAspect="1"/>
+          </p:cNvSpPr>
+          <p:nvPr>
+            <p:ph type="sldImg"/>
+          </p:nvPr>
+        </p:nvSpPr>
+        <p:spPr/>
+      </p:sp>
+      <p:sp>
+        <p:nvSpPr>
+          <p:cNvPr id="3" name="Notes Placeholder 2"/>
+          <p:cNvSpPr>
+            <a:spLocks noGrp="1"/>
+          </p:cNvSpPr>
+          <p:nvPr>
+            <p:ph type="body" idx="1"/>
+          </p:nvPr>
+        </p:nvSpPr>
+        <p:spPr/>
+        <p:txBody>
+          <a:bodyPr/>
+          <a:lstStyle/>
+          <a:p>
+            <a:r>
+              <a:rPr lang="en-US" dirty="0"/>
+              <a:t>Use an example</a:t>
+            </a:r>
+          </a:p>
+        </p:txBody>
+      </p:sp>
+      <p:sp>
+        <p:nvSpPr>
+          <p:cNvPr id="4" name="Slide Number Placeholder 3"/>
+          <p:cNvSpPr>
+            <a:spLocks noGrp="1"/>
+          </p:cNvSpPr>
+          <p:nvPr>
+            <p:ph type="sldNum" sz="quarter" idx="10"/>
+          </p:nvPr>
+        </p:nvSpPr>
+        <p:spPr/>
+        <p:txBody>
+          <a:bodyPr/>
+          <a:lstStyle/>
+          <a:p>
+            <a:fld id="{BC6893F0-FBA7-492A-B1D9-D0AD2A557853}" type="slidenum">
+              <a:rPr lang="en-US" smtClean="0"/>
+              <a:t>5</a:t>
+            </a:fld>
+            <a:endParaRPr lang="en-US"/>
+          </a:p>
+        </p:txBody>
+      </p:sp>
+    </p:spTree>
+    <p:extLst>
+      <p:ext uri="{BB962C8B-B14F-4D97-AF65-F5344CB8AC3E}">
+        <p14:creationId xmlns:p14="http://schemas.microsoft.com/office/powerpoint/2010/main" val="2808767376"/>
+      </p:ext>
+    </p:extLst>
+  </p:cSld>
+  <p:clrMapOvr>
+    <a:masterClrMapping/>
+  </p:clrMapOvr>
+</p:notes>
+</file>
+
+<file path=ppt/notesSlides/notesSlide4.xml><?xml version="1.0" encoding="utf-8"?>
+<p:notes xmlns:a="http://schemas.openxmlformats.org/drawingml/2006/main" xmlns:r="http://schemas.openxmlformats.org/officeDocument/2006/relationships" xmlns:p="http://schemas.openxmlformats.org/presentationml/2006/main">
+  <p:cSld>
+    <p:spTree>
+      <p:nvGrpSpPr>
+        <p:cNvPr id="1" name=""/>
+        <p:cNvGrpSpPr/>
+        <p:nvPr/>
+      </p:nvGrpSpPr>
+      <p:grpSpPr>
+        <a:xfrm>
+          <a:off x="0" y="0"/>
+          <a:ext cx="0" cy="0"/>
+          <a:chOff x="0" y="0"/>
+          <a:chExt cx="0" cy="0"/>
+        </a:xfrm>
+      </p:grpSpPr>
+      <p:sp>
+        <p:nvSpPr>
+          <p:cNvPr id="2" name="Slide Image Placeholder 1"/>
+          <p:cNvSpPr>
+            <a:spLocks noGrp="1" noRot="1" noChangeAspect="1"/>
+          </p:cNvSpPr>
+          <p:nvPr>
+            <p:ph type="sldImg"/>
+          </p:nvPr>
+        </p:nvSpPr>
+        <p:spPr/>
+      </p:sp>
+      <p:sp>
+        <p:nvSpPr>
+          <p:cNvPr id="3" name="Notes Placeholder 2"/>
+          <p:cNvSpPr>
+            <a:spLocks noGrp="1"/>
+          </p:cNvSpPr>
+          <p:nvPr>
+            <p:ph type="body" idx="1"/>
+          </p:nvPr>
+        </p:nvSpPr>
+        <p:spPr/>
+        <p:txBody>
+          <a:bodyPr/>
+          <a:lstStyle/>
+          <a:p>
+            <a:endParaRPr lang="en-US" dirty="0"/>
+          </a:p>
+        </p:txBody>
+      </p:sp>
+      <p:sp>
+        <p:nvSpPr>
+          <p:cNvPr id="4" name="Slide Number Placeholder 3"/>
+          <p:cNvSpPr>
+            <a:spLocks noGrp="1"/>
+          </p:cNvSpPr>
+          <p:nvPr>
+            <p:ph type="sldNum" sz="quarter" idx="10"/>
+          </p:nvPr>
+        </p:nvSpPr>
+        <p:spPr/>
+        <p:txBody>
+          <a:bodyPr/>
+          <a:lstStyle/>
+          <a:p>
+            <a:fld id="{BC6893F0-FBA7-492A-B1D9-D0AD2A557853}" type="slidenum">
+              <a:rPr lang="en-US" smtClean="0"/>
+              <a:t>10</a:t>
+            </a:fld>
+            <a:endParaRPr lang="en-US"/>
+          </a:p>
+        </p:txBody>
+      </p:sp>
+    </p:spTree>
+    <p:extLst>
+      <p:ext uri="{BB962C8B-B14F-4D97-AF65-F5344CB8AC3E}">
+        <p14:creationId xmlns:p14="http://schemas.microsoft.com/office/powerpoint/2010/main" val="4166837940"/>
+      </p:ext>
+    </p:extLst>
+  </p:cSld>
+  <p:clrMapOvr>
+    <a:masterClrMapping/>
+  </p:clrMapOvr>
+</p:notes>
+</file>
+
+<file path=ppt/notesSlides/notesSlide5.xml><?xml version="1.0" encoding="utf-8"?>
+<p:notes xmlns:a="http://schemas.openxmlformats.org/drawingml/2006/main" xmlns:r="http://schemas.openxmlformats.org/officeDocument/2006/relationships" xmlns:p="http://schemas.openxmlformats.org/presentationml/2006/main">
+  <p:cSld>
+    <p:spTree>
+      <p:nvGrpSpPr>
+        <p:cNvPr id="1" name=""/>
+        <p:cNvGrpSpPr/>
+        <p:nvPr/>
+      </p:nvGrpSpPr>
+      <p:grpSpPr>
+        <a:xfrm>
+          <a:off x="0" y="0"/>
+          <a:ext cx="0" cy="0"/>
+          <a:chOff x="0" y="0"/>
+          <a:chExt cx="0" cy="0"/>
+        </a:xfrm>
+      </p:grpSpPr>
+      <p:sp>
+        <p:nvSpPr>
+          <p:cNvPr id="2" name="Slide Image Placeholder 1"/>
+          <p:cNvSpPr>
+            <a:spLocks noGrp="1" noRot="1" noChangeAspect="1"/>
+          </p:cNvSpPr>
+          <p:nvPr>
+            <p:ph type="sldImg"/>
+          </p:nvPr>
+        </p:nvSpPr>
+        <p:spPr/>
+      </p:sp>
+      <p:sp>
+        <p:nvSpPr>
+          <p:cNvPr id="3" name="Notes Placeholder 2"/>
+          <p:cNvSpPr>
+            <a:spLocks noGrp="1"/>
+          </p:cNvSpPr>
+          <p:nvPr>
+            <p:ph type="body" idx="1"/>
+          </p:nvPr>
+        </p:nvSpPr>
+        <p:spPr/>
+        <p:txBody>
+          <a:bodyPr/>
+          <a:lstStyle/>
+          <a:p>
+            <a:r>
+              <a:rPr lang="en-US" dirty="0"/>
+              <a:t>&lt;FTL: SAT: Translate direct (FFLBA| Length| </a:t>
+            </a:r>
+            <a:r>
+              <a:rPr lang="en-US" dirty="0" err="1"/>
+              <a:t>SearchCuq</a:t>
+            </a:r>
+            <a:r>
+              <a:rPr lang="en-US" dirty="0"/>
+              <a:t>)&gt;&amp; &lt;leader&gt;&amp; &lt;FFLBA, </a:t>
+            </a:r>
+            <a:r>
+              <a:rPr lang="en-US" dirty="0" err="1"/>
+              <a:t>fflba</a:t>
+            </a:r>
+            <a:r>
+              <a:rPr lang="en-US" dirty="0"/>
+              <a:t>&gt;</a:t>
+            </a:r>
+          </a:p>
+          <a:p>
+            <a:r>
+              <a:rPr lang="en-US" dirty="0"/>
+              <a:t>&lt;FTL: HRF: Finish translate (</a:t>
+            </a:r>
+            <a:r>
+              <a:rPr lang="en-US" dirty="0" err="1"/>
+              <a:t>FFLBA|JBA|FMUsCnt</a:t>
+            </a:r>
+            <a:r>
+              <a:rPr lang="en-US" dirty="0"/>
+              <a:t>|*</a:t>
+            </a:r>
+            <a:r>
+              <a:rPr lang="en-US" dirty="0" err="1"/>
+              <a:t>prftch</a:t>
+            </a:r>
+            <a:r>
+              <a:rPr lang="en-US" dirty="0"/>
+              <a:t> done|*preload cline)&gt;&amp; &lt;follower&gt;</a:t>
+            </a:r>
+          </a:p>
+        </p:txBody>
+      </p:sp>
+      <p:sp>
+        <p:nvSpPr>
+          <p:cNvPr id="4" name="Slide Number Placeholder 3"/>
+          <p:cNvSpPr>
+            <a:spLocks noGrp="1"/>
+          </p:cNvSpPr>
+          <p:nvPr>
+            <p:ph type="sldNum" sz="quarter" idx="10"/>
+          </p:nvPr>
+        </p:nvSpPr>
+        <p:spPr/>
+        <p:txBody>
+          <a:bodyPr/>
+          <a:lstStyle/>
+          <a:p>
+            <a:fld id="{BC6893F0-FBA7-492A-B1D9-D0AD2A557853}" type="slidenum">
+              <a:rPr lang="en-US" smtClean="0"/>
+              <a:t>12</a:t>
+            </a:fld>
+            <a:endParaRPr lang="en-US"/>
+          </a:p>
+        </p:txBody>
+      </p:sp>
+    </p:spTree>
+    <p:extLst>
+      <p:ext uri="{BB962C8B-B14F-4D97-AF65-F5344CB8AC3E}">
+        <p14:creationId xmlns:p14="http://schemas.microsoft.com/office/powerpoint/2010/main" val="394513900"/>
+      </p:ext>
+    </p:extLst>
+  </p:cSld>
+  <p:clrMapOvr>
+    <a:masterClrMapping/>
+  </p:clrMapOvr>
+</p:notes>
+</file>
+
+<file path=ppt/notesSlides/notesSlide6.xml><?xml version="1.0" encoding="utf-8"?>
+<p:notes xmlns:a="http://schemas.openxmlformats.org/drawingml/2006/main" xmlns:r="http://schemas.openxmlformats.org/officeDocument/2006/relationships" xmlns:p="http://schemas.openxmlformats.org/presentationml/2006/main">
+  <p:cSld>
+    <p:spTree>
+      <p:nvGrpSpPr>
+        <p:cNvPr id="1" name=""/>
+        <p:cNvGrpSpPr/>
+        <p:nvPr/>
+      </p:nvGrpSpPr>
+      <p:grpSpPr>
+        <a:xfrm>
+          <a:off x="0" y="0"/>
+          <a:ext cx="0" cy="0"/>
+          <a:chOff x="0" y="0"/>
+          <a:chExt cx="0" cy="0"/>
+        </a:xfrm>
+      </p:grpSpPr>
+      <p:sp>
+        <p:nvSpPr>
+          <p:cNvPr id="2" name="Slide Image Placeholder 1"/>
+          <p:cNvSpPr>
+            <a:spLocks noGrp="1" noRot="1" noChangeAspect="1"/>
+          </p:cNvSpPr>
+          <p:nvPr>
+            <p:ph type="sldImg"/>
+          </p:nvPr>
+        </p:nvSpPr>
+        <p:spPr/>
+      </p:sp>
+      <p:sp>
+        <p:nvSpPr>
+          <p:cNvPr id="3" name="Notes Placeholder 2"/>
+          <p:cNvSpPr>
+            <a:spLocks noGrp="1"/>
+          </p:cNvSpPr>
+          <p:nvPr>
+            <p:ph type="body" idx="1"/>
+          </p:nvPr>
+        </p:nvSpPr>
+        <p:spPr/>
+        <p:txBody>
+          <a:bodyPr/>
+          <a:lstStyle/>
+          <a:p>
+            <a:r>
+              <a:rPr lang="en-US" dirty="0"/>
+              <a:t>xrwrdecoder-cli.bat process decode --product=Calypso-X --run-mode=READ --</a:t>
+            </a:r>
+            <a:r>
+              <a:rPr lang="en-US" dirty="0" err="1"/>
+              <a:t>rwr</a:t>
+            </a:r>
+            <a:r>
+              <a:rPr lang="en-US" dirty="0"/>
+              <a:t>-path=C:\xTools\RWR\408\rwr_file_408.rwr --</a:t>
+            </a:r>
+            <a:r>
+              <a:rPr lang="en-US" dirty="0" err="1"/>
+              <a:t>dco</a:t>
+            </a:r>
+            <a:r>
+              <a:rPr lang="en-US" dirty="0"/>
+              <a:t>-path=C:\xTools\RWR\SetDictionary.dco --output-type=NONE --plugin-classes=</a:t>
+            </a:r>
+            <a:r>
+              <a:rPr lang="en-US" dirty="0" err="1"/>
+              <a:t>ConfigFileRWRPlugin</a:t>
+            </a:r>
+            <a:r>
+              <a:rPr lang="en-US" dirty="0"/>
+              <a:t> --plugin-source-directory=C:\xTools\Projectpresentation</a:t>
+            </a:r>
+          </a:p>
+          <a:p>
+            <a:endParaRPr lang="en-US" dirty="0"/>
+          </a:p>
+          <a:p>
+            <a:r>
+              <a:rPr lang="en-US" dirty="0"/>
+              <a:t>Only using One 100Mb RWR file</a:t>
+            </a:r>
+          </a:p>
+          <a:p>
+            <a:r>
+              <a:rPr lang="en-US" dirty="0"/>
+              <a:t>Running </a:t>
+            </a:r>
+            <a:r>
+              <a:rPr lang="en-US" i="1" dirty="0"/>
+              <a:t>event counter </a:t>
+            </a:r>
+            <a:r>
+              <a:rPr lang="en-US" dirty="0"/>
+              <a:t>and </a:t>
+            </a:r>
+            <a:r>
+              <a:rPr lang="en-US" i="1" dirty="0"/>
+              <a:t>time delta of command </a:t>
+            </a:r>
+          </a:p>
+          <a:p>
+            <a:r>
+              <a:rPr lang="en-US" dirty="0"/>
+              <a:t>Showing how to use plugin on previous RWR files</a:t>
+            </a:r>
+          </a:p>
+          <a:p>
+            <a:endParaRPr lang="en-US" dirty="0"/>
+          </a:p>
+          <a:p>
+            <a:r>
+              <a:rPr lang="en-US" dirty="0"/>
+              <a:t>Could do a 60 second test live test too?</a:t>
+            </a:r>
+          </a:p>
+          <a:p>
+            <a:pPr marL="0" indent="0">
+              <a:buNone/>
+            </a:pPr>
+            <a:r>
+              <a:rPr lang="en-US" dirty="0"/>
+              <a:t>diskspd64.exe  -w0 -b128K -o32 -t1 -S -L -W5 -d60 S:\SLC.bin  1&gt;C:\Diskspd_Log\SLC_128KiB_SeqRead_QD32.log</a:t>
+            </a:r>
+          </a:p>
+          <a:p>
+            <a:pPr marL="0" indent="0">
+              <a:buNone/>
+            </a:pPr>
+            <a:endParaRPr lang="en-US" dirty="0"/>
+          </a:p>
+          <a:p>
+            <a:pPr marL="0" indent="0">
+              <a:buNone/>
+            </a:pPr>
+            <a:r>
+              <a:rPr lang="en-US" dirty="0"/>
+              <a:t>xplorer-cli.bat session create --session-configuration-file=C:\xTools\informer_json_2.9.5.json --start=true</a:t>
+            </a:r>
+          </a:p>
+          <a:p>
+            <a:pPr marL="0" indent="0">
+              <a:buNone/>
+            </a:pPr>
+            <a:endParaRPr lang="en-US" dirty="0"/>
+          </a:p>
+          <a:p>
+            <a:pPr marL="0" indent="0">
+              <a:buNone/>
+            </a:pPr>
+            <a:r>
+              <a:rPr lang="en-US" dirty="0"/>
+              <a:t>xplorer-cli.bat session stop --session-id=&lt;session-id&gt;</a:t>
+            </a:r>
+          </a:p>
+          <a:p>
+            <a:pPr marL="0" indent="0">
+              <a:buNone/>
+            </a:pPr>
+            <a:r>
+              <a:rPr lang="en-US" dirty="0"/>
+              <a:t>- Session id can be found in the value section when the session gets created (displayed in the console window)</a:t>
+            </a:r>
+          </a:p>
+          <a:p>
+            <a:endParaRPr lang="en-US" dirty="0"/>
+          </a:p>
+        </p:txBody>
+      </p:sp>
+      <p:sp>
+        <p:nvSpPr>
+          <p:cNvPr id="4" name="Slide Number Placeholder 3"/>
+          <p:cNvSpPr>
+            <a:spLocks noGrp="1"/>
+          </p:cNvSpPr>
+          <p:nvPr>
+            <p:ph type="sldNum" sz="quarter" idx="10"/>
+          </p:nvPr>
+        </p:nvSpPr>
+        <p:spPr/>
+        <p:txBody>
+          <a:bodyPr/>
+          <a:lstStyle/>
+          <a:p>
+            <a:fld id="{BC6893F0-FBA7-492A-B1D9-D0AD2A557853}" type="slidenum">
+              <a:rPr lang="en-US" smtClean="0"/>
+              <a:t>14</a:t>
+            </a:fld>
+            <a:endParaRPr lang="en-US"/>
+          </a:p>
+        </p:txBody>
+      </p:sp>
+    </p:spTree>
+    <p:extLst>
+      <p:ext uri="{BB962C8B-B14F-4D97-AF65-F5344CB8AC3E}">
+        <p14:creationId xmlns:p14="http://schemas.microsoft.com/office/powerpoint/2010/main" val="1029042306"/>
       </p:ext>
     </p:extLst>
   </p:cSld>
@@ -3972,6 +4519,2060 @@
           <p:cNvPr id="2" name="Title 1">
             <a:extLst>
               <a:ext uri="{FF2B5EF4-FFF2-40B4-BE49-F238E27FC236}">
+                <a16:creationId xmlns:a16="http://schemas.microsoft.com/office/drawing/2014/main" id="{2FCA8C8B-B3A2-4399-8F8B-4595186F399C}"/>
+              </a:ext>
+            </a:extLst>
+          </p:cNvPr>
+          <p:cNvSpPr>
+            <a:spLocks noGrp="1"/>
+          </p:cNvSpPr>
+          <p:nvPr>
+            <p:ph type="title"/>
+          </p:nvPr>
+        </p:nvSpPr>
+        <p:spPr/>
+        <p:txBody>
+          <a:bodyPr/>
+          <a:lstStyle/>
+          <a:p>
+            <a:r>
+              <a:rPr lang="en-US" dirty="0"/>
+              <a:t>Configuration file tutorial: QOS</a:t>
+            </a:r>
+          </a:p>
+        </p:txBody>
+      </p:sp>
+      <p:sp>
+        <p:nvSpPr>
+          <p:cNvPr id="5" name="TextBox 4">
+            <a:extLst>
+              <a:ext uri="{FF2B5EF4-FFF2-40B4-BE49-F238E27FC236}">
+                <a16:creationId xmlns:a16="http://schemas.microsoft.com/office/drawing/2014/main" id="{36D5685F-8BD2-4583-8324-D75237F99660}"/>
+              </a:ext>
+            </a:extLst>
+          </p:cNvPr>
+          <p:cNvSpPr txBox="1"/>
+          <p:nvPr/>
+        </p:nvSpPr>
+        <p:spPr>
+          <a:xfrm>
+            <a:off x="838199" y="4109035"/>
+            <a:ext cx="10580267" cy="2031325"/>
+          </a:xfrm>
+          <a:prstGeom prst="rect">
+            <a:avLst/>
+          </a:prstGeom>
+        </p:spPr>
+        <p:style>
+          <a:lnRef idx="2">
+            <a:schemeClr val="dk1"/>
+          </a:lnRef>
+          <a:fillRef idx="1">
+            <a:schemeClr val="lt1"/>
+          </a:fillRef>
+          <a:effectRef idx="0">
+            <a:schemeClr val="dk1"/>
+          </a:effectRef>
+          <a:fontRef idx="minor">
+            <a:schemeClr val="dk1"/>
+          </a:fontRef>
+        </p:style>
+        <p:txBody>
+          <a:bodyPr wrap="square" rtlCol="0">
+            <a:spAutoFit/>
+          </a:bodyPr>
+          <a:lstStyle/>
+          <a:p>
+            <a:pPr marL="342900" indent="-342900">
+              <a:buAutoNum type="arabicPeriod"/>
+            </a:pPr>
+            <a:r>
+              <a:rPr lang="en-US" dirty="0"/>
+              <a:t>Start event: </a:t>
+            </a:r>
+            <a:r>
+              <a:rPr lang="en-US" b="1" i="1" dirty="0"/>
+              <a:t>FTL: HRF: Start Handle Flow (FFLBA-| sector offset| </a:t>
+            </a:r>
+            <a:r>
+              <a:rPr lang="en-US" b="1" i="1" dirty="0" err="1"/>
+              <a:t>cnt</a:t>
+            </a:r>
+            <a:r>
+              <a:rPr lang="en-US" b="1" i="1" dirty="0"/>
+              <a:t>| *</a:t>
+            </a:r>
+            <a:r>
+              <a:rPr lang="en-US" b="1" i="1" dirty="0" err="1"/>
+              <a:t>HIMCmdIdx</a:t>
+            </a:r>
+            <a:r>
+              <a:rPr lang="en-US" b="1" i="1" dirty="0"/>
+              <a:t> - host)</a:t>
+            </a:r>
+          </a:p>
+          <a:p>
+            <a:pPr marL="342900" indent="-342900">
+              <a:buAutoNum type="arabicPeriod"/>
+            </a:pPr>
+            <a:endParaRPr lang="en-US" dirty="0"/>
+          </a:p>
+          <a:p>
+            <a:pPr marL="342900" indent="-342900">
+              <a:buAutoNum type="arabicPeriod"/>
+            </a:pPr>
+            <a:r>
+              <a:rPr lang="en-US" dirty="0"/>
+              <a:t>In between event: </a:t>
+            </a:r>
+            <a:r>
+              <a:rPr lang="en-US" b="1" i="1" dirty="0"/>
+              <a:t>FTL: HRF: Start translate (FFLBA-)</a:t>
+            </a:r>
+          </a:p>
+          <a:p>
+            <a:pPr marL="342900" indent="-342900">
+              <a:buAutoNum type="arabicPeriod"/>
+            </a:pPr>
+            <a:endParaRPr lang="en-US" dirty="0"/>
+          </a:p>
+          <a:p>
+            <a:pPr marL="342900" indent="-342900">
+              <a:buAutoNum type="arabicPeriod"/>
+            </a:pPr>
+            <a:r>
+              <a:rPr lang="en-US" dirty="0"/>
+              <a:t>End event: </a:t>
+            </a:r>
+            <a:r>
+              <a:rPr lang="en-US" b="1" i="1" dirty="0"/>
+              <a:t>FTL: HRF: Finish Handle Flow (</a:t>
+            </a:r>
+            <a:r>
+              <a:rPr lang="en-US" b="1" i="1" dirty="0" err="1"/>
+              <a:t>HIMCmdIdx</a:t>
+            </a:r>
+            <a:r>
+              <a:rPr lang="en-US" b="1" i="1" dirty="0"/>
+              <a:t>)</a:t>
+            </a:r>
+          </a:p>
+          <a:p>
+            <a:pPr marL="342900" indent="-342900">
+              <a:buAutoNum type="arabicPeriod"/>
+            </a:pPr>
+            <a:endParaRPr lang="en-US" dirty="0"/>
+          </a:p>
+          <a:p>
+            <a:pPr marL="342900" indent="-342900">
+              <a:buAutoNum type="arabicPeriod"/>
+            </a:pPr>
+            <a:r>
+              <a:rPr lang="en-US" dirty="0"/>
+              <a:t>Keywords to look for:  </a:t>
+            </a:r>
+            <a:r>
+              <a:rPr lang="en-US" b="1" i="1" dirty="0" err="1"/>
+              <a:t>cmd</a:t>
+            </a:r>
+            <a:r>
+              <a:rPr lang="en-US" b="1" i="1" dirty="0"/>
+              <a:t> </a:t>
+            </a:r>
+            <a:r>
+              <a:rPr lang="en-US" b="1" i="1" dirty="0" err="1"/>
+              <a:t>idx</a:t>
+            </a:r>
+            <a:r>
+              <a:rPr lang="en-US" dirty="0"/>
+              <a:t>, </a:t>
+            </a:r>
+            <a:r>
+              <a:rPr lang="en-US" b="1" i="1" dirty="0" err="1"/>
+              <a:t>fflba</a:t>
+            </a:r>
+            <a:endParaRPr lang="en-US" b="1" i="1" dirty="0"/>
+          </a:p>
+        </p:txBody>
+      </p:sp>
+      <p:pic>
+        <p:nvPicPr>
+          <p:cNvPr id="10" name="Picture 9">
+            <a:extLst>
+              <a:ext uri="{FF2B5EF4-FFF2-40B4-BE49-F238E27FC236}">
+                <a16:creationId xmlns:a16="http://schemas.microsoft.com/office/drawing/2014/main" id="{4E5DD076-91A5-47E6-9D4B-2DC82C568962}"/>
+              </a:ext>
+            </a:extLst>
+          </p:cNvPr>
+          <p:cNvPicPr>
+            <a:picLocks noChangeAspect="1"/>
+          </p:cNvPicPr>
+          <p:nvPr/>
+        </p:nvPicPr>
+        <p:blipFill>
+          <a:blip r:embed="rId3"/>
+          <a:stretch>
+            <a:fillRect/>
+          </a:stretch>
+        </p:blipFill>
+        <p:spPr>
+          <a:xfrm>
+            <a:off x="838199" y="1477629"/>
+            <a:ext cx="10585235" cy="2378083"/>
+          </a:xfrm>
+          <a:prstGeom prst="rect">
+            <a:avLst/>
+          </a:prstGeom>
+        </p:spPr>
+      </p:pic>
+    </p:spTree>
+    <p:extLst>
+      <p:ext uri="{BB962C8B-B14F-4D97-AF65-F5344CB8AC3E}">
+        <p14:creationId xmlns:p14="http://schemas.microsoft.com/office/powerpoint/2010/main" val="163620507"/>
+      </p:ext>
+    </p:extLst>
+  </p:cSld>
+  <p:clrMapOvr>
+    <a:masterClrMapping/>
+  </p:clrMapOvr>
+</p:sld>
+</file>
+
+<file path=ppt/slides/slide11.xml><?xml version="1.0" encoding="utf-8"?>
+<p:sld xmlns:a="http://schemas.openxmlformats.org/drawingml/2006/main" xmlns:r="http://schemas.openxmlformats.org/officeDocument/2006/relationships" xmlns:p="http://schemas.openxmlformats.org/presentationml/2006/main">
+  <p:cSld>
+    <p:spTree>
+      <p:nvGrpSpPr>
+        <p:cNvPr id="1" name=""/>
+        <p:cNvGrpSpPr/>
+        <p:nvPr/>
+      </p:nvGrpSpPr>
+      <p:grpSpPr>
+        <a:xfrm>
+          <a:off x="0" y="0"/>
+          <a:ext cx="0" cy="0"/>
+          <a:chOff x="0" y="0"/>
+          <a:chExt cx="0" cy="0"/>
+        </a:xfrm>
+      </p:grpSpPr>
+      <p:sp>
+        <p:nvSpPr>
+          <p:cNvPr id="2" name="Title 1">
+            <a:extLst>
+              <a:ext uri="{FF2B5EF4-FFF2-40B4-BE49-F238E27FC236}">
+                <a16:creationId xmlns:a16="http://schemas.microsoft.com/office/drawing/2014/main" id="{C817B74C-25B4-41CD-9202-FB34E5E19853}"/>
+              </a:ext>
+            </a:extLst>
+          </p:cNvPr>
+          <p:cNvSpPr>
+            <a:spLocks noGrp="1"/>
+          </p:cNvSpPr>
+          <p:nvPr>
+            <p:ph type="title"/>
+          </p:nvPr>
+        </p:nvSpPr>
+        <p:spPr>
+          <a:xfrm>
+            <a:off x="838200" y="365125"/>
+            <a:ext cx="10515600" cy="1325563"/>
+          </a:xfrm>
+        </p:spPr>
+        <p:txBody>
+          <a:bodyPr/>
+          <a:lstStyle/>
+          <a:p>
+            <a:r>
+              <a:rPr lang="en-US" dirty="0"/>
+              <a:t>Configuration file tutorial: Counter</a:t>
+            </a:r>
+          </a:p>
+        </p:txBody>
+      </p:sp>
+      <p:sp>
+        <p:nvSpPr>
+          <p:cNvPr id="3" name="Content Placeholder 2">
+            <a:extLst>
+              <a:ext uri="{FF2B5EF4-FFF2-40B4-BE49-F238E27FC236}">
+                <a16:creationId xmlns:a16="http://schemas.microsoft.com/office/drawing/2014/main" id="{896EED5A-499A-4E21-A388-21155DCE83F9}"/>
+              </a:ext>
+            </a:extLst>
+          </p:cNvPr>
+          <p:cNvSpPr>
+            <a:spLocks noGrp="1"/>
+          </p:cNvSpPr>
+          <p:nvPr>
+            <p:ph idx="1"/>
+          </p:nvPr>
+        </p:nvSpPr>
+        <p:spPr>
+          <a:xfrm>
+            <a:off x="838200" y="3429000"/>
+            <a:ext cx="10515600" cy="2408696"/>
+          </a:xfrm>
+          <a:ln>
+            <a:solidFill>
+              <a:schemeClr val="tx1"/>
+            </a:solidFill>
+          </a:ln>
+        </p:spPr>
+        <p:txBody>
+          <a:bodyPr>
+            <a:normAutofit/>
+          </a:bodyPr>
+          <a:lstStyle/>
+          <a:p>
+            <a:r>
+              <a:rPr lang="en-US" dirty="0"/>
+              <a:t>Counter events: &lt;</a:t>
+            </a:r>
+            <a:r>
+              <a:rPr lang="en-US" b="1" i="1" dirty="0"/>
+              <a:t>FTL: HRF: Flow suspend (FFLBA-| </a:t>
+            </a:r>
+            <a:r>
+              <a:rPr lang="en-US" b="1" i="1" dirty="0" err="1"/>
+              <a:t>Ctxt</a:t>
+            </a:r>
+            <a:r>
+              <a:rPr lang="en-US" b="1" i="1" dirty="0"/>
+              <a:t>-| *</a:t>
+            </a:r>
+            <a:r>
+              <a:rPr lang="en-US" b="1" i="1" dirty="0" err="1"/>
+              <a:t>HIMCmdIdx</a:t>
+            </a:r>
+            <a:r>
+              <a:rPr lang="en-US" b="1" i="1" dirty="0"/>
+              <a:t> - host read only)</a:t>
+            </a:r>
+            <a:r>
+              <a:rPr lang="en-US" dirty="0"/>
+              <a:t>&gt;, &lt;</a:t>
+            </a:r>
+            <a:r>
+              <a:rPr lang="en-US" b="1" i="1" dirty="0"/>
+              <a:t>PS: OTG: Host Read Transfer (</a:t>
+            </a:r>
+            <a:r>
+              <a:rPr lang="en-US" b="1" i="1" dirty="0" err="1"/>
+              <a:t>Cmd</a:t>
+            </a:r>
+            <a:r>
+              <a:rPr lang="en-US" b="1" i="1" dirty="0"/>
+              <a:t> </a:t>
+            </a:r>
+            <a:r>
+              <a:rPr lang="en-US" b="1" i="1" dirty="0" err="1"/>
+              <a:t>Idx</a:t>
+            </a:r>
+            <a:r>
+              <a:rPr lang="en-US" b="1" i="1" dirty="0"/>
+              <a:t>| </a:t>
+            </a:r>
+            <a:r>
+              <a:rPr lang="en-US" b="1" i="1" dirty="0" err="1"/>
+              <a:t>Cmd</a:t>
+            </a:r>
+            <a:r>
+              <a:rPr lang="en-US" b="1" i="1" dirty="0"/>
+              <a:t> Off| </a:t>
+            </a:r>
+            <a:r>
+              <a:rPr lang="en-US" b="1" i="1" dirty="0" err="1"/>
+              <a:t>reqId</a:t>
+            </a:r>
+            <a:r>
+              <a:rPr lang="en-US" b="1" i="1" dirty="0"/>
+              <a:t>| </a:t>
+            </a:r>
+            <a:r>
+              <a:rPr lang="en-US" b="1" i="1" dirty="0" err="1"/>
+              <a:t>vba</a:t>
+            </a:r>
+            <a:r>
+              <a:rPr lang="en-US" b="1" i="1" dirty="0"/>
+              <a:t>| DeVBA0| DeVBA1)</a:t>
+            </a:r>
+            <a:r>
+              <a:rPr lang="en-US" dirty="0"/>
+              <a:t>&gt;</a:t>
+            </a:r>
+          </a:p>
+          <a:p>
+            <a:r>
+              <a:rPr lang="en-US" dirty="0"/>
+              <a:t>Linking parameter: </a:t>
+            </a:r>
+            <a:r>
+              <a:rPr lang="en-US" b="1" i="1" dirty="0"/>
+              <a:t>FFLBA-</a:t>
+            </a:r>
+            <a:r>
+              <a:rPr lang="en-US" dirty="0"/>
+              <a:t>, </a:t>
+            </a:r>
+            <a:r>
+              <a:rPr lang="en-US" b="1" i="1" dirty="0" err="1"/>
+              <a:t>Cmd</a:t>
+            </a:r>
+            <a:r>
+              <a:rPr lang="en-US" b="1" i="1" dirty="0"/>
+              <a:t> </a:t>
+            </a:r>
+            <a:r>
+              <a:rPr lang="en-US" b="1" i="1" dirty="0" err="1"/>
+              <a:t>Idx</a:t>
+            </a:r>
+            <a:endParaRPr lang="en-US" b="1" i="1" dirty="0"/>
+          </a:p>
+        </p:txBody>
+      </p:sp>
+      <p:pic>
+        <p:nvPicPr>
+          <p:cNvPr id="5" name="Picture 4">
+            <a:extLst>
+              <a:ext uri="{FF2B5EF4-FFF2-40B4-BE49-F238E27FC236}">
+                <a16:creationId xmlns:a16="http://schemas.microsoft.com/office/drawing/2014/main" id="{49651E2E-0E7D-407E-82FE-DB919F2B2903}"/>
+              </a:ext>
+            </a:extLst>
+          </p:cNvPr>
+          <p:cNvPicPr>
+            <a:picLocks noChangeAspect="1"/>
+          </p:cNvPicPr>
+          <p:nvPr/>
+        </p:nvPicPr>
+        <p:blipFill>
+          <a:blip r:embed="rId2"/>
+          <a:stretch>
+            <a:fillRect/>
+          </a:stretch>
+        </p:blipFill>
+        <p:spPr>
+          <a:xfrm>
+            <a:off x="838200" y="1690688"/>
+            <a:ext cx="10515600" cy="1429030"/>
+          </a:xfrm>
+          <a:prstGeom prst="rect">
+            <a:avLst/>
+          </a:prstGeom>
+        </p:spPr>
+      </p:pic>
+    </p:spTree>
+    <p:extLst>
+      <p:ext uri="{BB962C8B-B14F-4D97-AF65-F5344CB8AC3E}">
+        <p14:creationId xmlns:p14="http://schemas.microsoft.com/office/powerpoint/2010/main" val="1852105125"/>
+      </p:ext>
+    </p:extLst>
+  </p:cSld>
+  <p:clrMapOvr>
+    <a:masterClrMapping/>
+  </p:clrMapOvr>
+</p:sld>
+</file>
+
+<file path=ppt/slides/slide12.xml><?xml version="1.0" encoding="utf-8"?>
+<p:sld xmlns:a="http://schemas.openxmlformats.org/drawingml/2006/main" xmlns:r="http://schemas.openxmlformats.org/officeDocument/2006/relationships" xmlns:p="http://schemas.openxmlformats.org/presentationml/2006/main">
+  <p:cSld>
+    <p:spTree>
+      <p:nvGrpSpPr>
+        <p:cNvPr id="1" name=""/>
+        <p:cNvGrpSpPr/>
+        <p:nvPr/>
+      </p:nvGrpSpPr>
+      <p:grpSpPr>
+        <a:xfrm>
+          <a:off x="0" y="0"/>
+          <a:ext cx="0" cy="0"/>
+          <a:chOff x="0" y="0"/>
+          <a:chExt cx="0" cy="0"/>
+        </a:xfrm>
+      </p:grpSpPr>
+      <p:sp>
+        <p:nvSpPr>
+          <p:cNvPr id="2" name="Title 1">
+            <a:extLst>
+              <a:ext uri="{FF2B5EF4-FFF2-40B4-BE49-F238E27FC236}">
+                <a16:creationId xmlns:a16="http://schemas.microsoft.com/office/drawing/2014/main" id="{40CCD62C-716F-4947-AB02-C2E75D9A468D}"/>
+              </a:ext>
+            </a:extLst>
+          </p:cNvPr>
+          <p:cNvSpPr>
+            <a:spLocks noGrp="1"/>
+          </p:cNvSpPr>
+          <p:nvPr>
+            <p:ph type="title"/>
+          </p:nvPr>
+        </p:nvSpPr>
+        <p:spPr/>
+        <p:txBody>
+          <a:bodyPr/>
+          <a:lstStyle/>
+          <a:p>
+            <a:r>
+              <a:rPr lang="en-US" dirty="0"/>
+              <a:t>Configuration file tutorial: Sequential</a:t>
+            </a:r>
+          </a:p>
+        </p:txBody>
+      </p:sp>
+      <p:sp>
+        <p:nvSpPr>
+          <p:cNvPr id="3" name="Content Placeholder 2">
+            <a:extLst>
+              <a:ext uri="{FF2B5EF4-FFF2-40B4-BE49-F238E27FC236}">
+                <a16:creationId xmlns:a16="http://schemas.microsoft.com/office/drawing/2014/main" id="{06B44EB4-CBC6-4CAE-8114-379838D92A3D}"/>
+              </a:ext>
+            </a:extLst>
+          </p:cNvPr>
+          <p:cNvSpPr>
+            <a:spLocks noGrp="1"/>
+          </p:cNvSpPr>
+          <p:nvPr>
+            <p:ph idx="1"/>
+          </p:nvPr>
+        </p:nvSpPr>
+        <p:spPr>
+          <a:xfrm>
+            <a:off x="838200" y="3437846"/>
+            <a:ext cx="10515600" cy="2448718"/>
+          </a:xfrm>
+          <a:ln>
+            <a:solidFill>
+              <a:schemeClr val="tx1"/>
+            </a:solidFill>
+          </a:ln>
+        </p:spPr>
+        <p:txBody>
+          <a:bodyPr>
+            <a:normAutofit fontScale="92500" lnSpcReduction="20000"/>
+          </a:bodyPr>
+          <a:lstStyle/>
+          <a:p>
+            <a:r>
+              <a:rPr lang="en-US" dirty="0"/>
+              <a:t>Leader event: </a:t>
+            </a:r>
+            <a:r>
+              <a:rPr lang="en-US" b="1" i="1" dirty="0"/>
+              <a:t>FTL: SAT: Translate direct (FFLBA| Length| </a:t>
+            </a:r>
+            <a:r>
+              <a:rPr lang="en-US" b="1" i="1" dirty="0" err="1"/>
+              <a:t>SearchCuq</a:t>
+            </a:r>
+            <a:r>
+              <a:rPr lang="en-US" b="1" i="1" dirty="0"/>
+              <a:t>)</a:t>
+            </a:r>
+          </a:p>
+          <a:p>
+            <a:r>
+              <a:rPr lang="en-US" dirty="0"/>
+              <a:t>Follower event: </a:t>
+            </a:r>
+            <a:r>
+              <a:rPr lang="en-US" b="1" i="1" dirty="0"/>
+              <a:t>FTL: HRF: Finish translate (</a:t>
+            </a:r>
+            <a:r>
+              <a:rPr lang="en-US" b="1" i="1" dirty="0" err="1"/>
+              <a:t>FFLBA|JBA|FMUsCnt</a:t>
+            </a:r>
+            <a:r>
+              <a:rPr lang="en-US" b="1" i="1" dirty="0"/>
+              <a:t>|*</a:t>
+            </a:r>
+            <a:r>
+              <a:rPr lang="en-US" b="1" i="1" dirty="0" err="1"/>
+              <a:t>prftch</a:t>
+            </a:r>
+            <a:r>
+              <a:rPr lang="en-US" b="1" i="1" dirty="0"/>
+              <a:t> done|*preload cline)</a:t>
+            </a:r>
+          </a:p>
+          <a:p>
+            <a:r>
+              <a:rPr lang="en-US" dirty="0"/>
+              <a:t>Parameter to connect to original: </a:t>
+            </a:r>
+            <a:r>
+              <a:rPr lang="en-US" b="1" i="1" dirty="0" err="1"/>
+              <a:t>fflba</a:t>
+            </a:r>
+            <a:endParaRPr lang="en-US" b="1" i="1" dirty="0"/>
+          </a:p>
+          <a:p>
+            <a:endParaRPr lang="en-US" dirty="0"/>
+          </a:p>
+          <a:p>
+            <a:r>
+              <a:rPr lang="en-US" dirty="0"/>
+              <a:t>Extra: can set max result as </a:t>
+            </a:r>
+            <a:r>
+              <a:rPr lang="en-US" b="1" i="1" dirty="0"/>
+              <a:t>10</a:t>
+            </a:r>
+          </a:p>
+        </p:txBody>
+      </p:sp>
+      <p:pic>
+        <p:nvPicPr>
+          <p:cNvPr id="5" name="Picture 4">
+            <a:extLst>
+              <a:ext uri="{FF2B5EF4-FFF2-40B4-BE49-F238E27FC236}">
+                <a16:creationId xmlns:a16="http://schemas.microsoft.com/office/drawing/2014/main" id="{85F91A55-471F-4C23-8431-152264F0BAD6}"/>
+              </a:ext>
+            </a:extLst>
+          </p:cNvPr>
+          <p:cNvPicPr>
+            <a:picLocks noChangeAspect="1"/>
+          </p:cNvPicPr>
+          <p:nvPr/>
+        </p:nvPicPr>
+        <p:blipFill>
+          <a:blip r:embed="rId3"/>
+          <a:stretch>
+            <a:fillRect/>
+          </a:stretch>
+        </p:blipFill>
+        <p:spPr>
+          <a:xfrm>
+            <a:off x="838200" y="1690688"/>
+            <a:ext cx="10515600" cy="1558121"/>
+          </a:xfrm>
+          <a:prstGeom prst="rect">
+            <a:avLst/>
+          </a:prstGeom>
+        </p:spPr>
+      </p:pic>
+    </p:spTree>
+    <p:extLst>
+      <p:ext uri="{BB962C8B-B14F-4D97-AF65-F5344CB8AC3E}">
+        <p14:creationId xmlns:p14="http://schemas.microsoft.com/office/powerpoint/2010/main" val="3862168763"/>
+      </p:ext>
+    </p:extLst>
+  </p:cSld>
+  <p:clrMapOvr>
+    <a:masterClrMapping/>
+  </p:clrMapOvr>
+</p:sld>
+</file>
+
+<file path=ppt/slides/slide13.xml><?xml version="1.0" encoding="utf-8"?>
+<p:sld xmlns:a="http://schemas.openxmlformats.org/drawingml/2006/main" xmlns:r="http://schemas.openxmlformats.org/officeDocument/2006/relationships" xmlns:p="http://schemas.openxmlformats.org/presentationml/2006/main">
+  <p:cSld>
+    <p:spTree>
+      <p:nvGrpSpPr>
+        <p:cNvPr id="1" name=""/>
+        <p:cNvGrpSpPr/>
+        <p:nvPr/>
+      </p:nvGrpSpPr>
+      <p:grpSpPr>
+        <a:xfrm>
+          <a:off x="0" y="0"/>
+          <a:ext cx="0" cy="0"/>
+          <a:chOff x="0" y="0"/>
+          <a:chExt cx="0" cy="0"/>
+        </a:xfrm>
+      </p:grpSpPr>
+      <p:sp>
+        <p:nvSpPr>
+          <p:cNvPr id="2" name="Title 1">
+            <a:extLst>
+              <a:ext uri="{FF2B5EF4-FFF2-40B4-BE49-F238E27FC236}">
+                <a16:creationId xmlns:a16="http://schemas.microsoft.com/office/drawing/2014/main" id="{4147AE88-6910-4ED7-B8E2-E66FF0CE1521}"/>
+              </a:ext>
+            </a:extLst>
+          </p:cNvPr>
+          <p:cNvSpPr>
+            <a:spLocks noGrp="1"/>
+          </p:cNvSpPr>
+          <p:nvPr>
+            <p:ph type="title"/>
+          </p:nvPr>
+        </p:nvSpPr>
+        <p:spPr/>
+        <p:txBody>
+          <a:bodyPr/>
+          <a:lstStyle/>
+          <a:p>
+            <a:r>
+              <a:rPr lang="en-US" dirty="0"/>
+              <a:t>Java Plugin Code Template</a:t>
+            </a:r>
+          </a:p>
+        </p:txBody>
+      </p:sp>
+      <p:pic>
+        <p:nvPicPr>
+          <p:cNvPr id="4" name="Content Placeholder 3">
+            <a:extLst>
+              <a:ext uri="{FF2B5EF4-FFF2-40B4-BE49-F238E27FC236}">
+                <a16:creationId xmlns:a16="http://schemas.microsoft.com/office/drawing/2014/main" id="{A9093991-C161-4AD6-9581-B7E6CE51B16A}"/>
+              </a:ext>
+            </a:extLst>
+          </p:cNvPr>
+          <p:cNvPicPr>
+            <a:picLocks noGrp="1" noChangeAspect="1"/>
+          </p:cNvPicPr>
+          <p:nvPr>
+            <p:ph idx="1"/>
+          </p:nvPr>
+        </p:nvPicPr>
+        <p:blipFill>
+          <a:blip r:embed="rId2"/>
+          <a:stretch>
+            <a:fillRect/>
+          </a:stretch>
+        </p:blipFill>
+        <p:spPr>
+          <a:xfrm>
+            <a:off x="838200" y="1690688"/>
+            <a:ext cx="5129463" cy="4524315"/>
+          </a:xfrm>
+          <a:prstGeom prst="rect">
+            <a:avLst/>
+          </a:prstGeom>
+        </p:spPr>
+      </p:pic>
+      <p:sp>
+        <p:nvSpPr>
+          <p:cNvPr id="5" name="TextBox 4">
+            <a:extLst>
+              <a:ext uri="{FF2B5EF4-FFF2-40B4-BE49-F238E27FC236}">
+                <a16:creationId xmlns:a16="http://schemas.microsoft.com/office/drawing/2014/main" id="{138B3752-E28F-4439-9585-8EB17BCE59AD}"/>
+              </a:ext>
+            </a:extLst>
+          </p:cNvPr>
+          <p:cNvSpPr txBox="1"/>
+          <p:nvPr/>
+        </p:nvSpPr>
+        <p:spPr>
+          <a:xfrm>
+            <a:off x="6665495" y="1690688"/>
+            <a:ext cx="4283242" cy="4524315"/>
+          </a:xfrm>
+          <a:prstGeom prst="rect">
+            <a:avLst/>
+          </a:prstGeom>
+        </p:spPr>
+        <p:style>
+          <a:lnRef idx="2">
+            <a:schemeClr val="dk1"/>
+          </a:lnRef>
+          <a:fillRef idx="1">
+            <a:schemeClr val="lt1"/>
+          </a:fillRef>
+          <a:effectRef idx="0">
+            <a:schemeClr val="dk1"/>
+          </a:effectRef>
+          <a:fontRef idx="minor">
+            <a:schemeClr val="dk1"/>
+          </a:fontRef>
+        </p:style>
+        <p:txBody>
+          <a:bodyPr wrap="square" rtlCol="0">
+            <a:spAutoFit/>
+          </a:bodyPr>
+          <a:lstStyle/>
+          <a:p>
+            <a:pPr marL="342900" indent="-342900">
+              <a:buAutoNum type="arabicPeriod"/>
+            </a:pPr>
+            <a:r>
+              <a:rPr lang="en-US" dirty="0" err="1"/>
+              <a:t>Init</a:t>
+            </a:r>
+            <a:endParaRPr lang="en-US" dirty="0"/>
+          </a:p>
+          <a:p>
+            <a:pPr marL="800100" lvl="1" indent="-342900">
+              <a:buFont typeface="Arial" panose="020B0604020202020204" pitchFamily="34" charset="0"/>
+              <a:buChar char="•"/>
+            </a:pPr>
+            <a:r>
+              <a:rPr lang="en-US" dirty="0"/>
+              <a:t>Logic performed before the RWR files are read</a:t>
+            </a:r>
+          </a:p>
+          <a:p>
+            <a:pPr marL="342900" indent="-342900">
+              <a:buAutoNum type="arabicPeriod"/>
+            </a:pPr>
+            <a:endParaRPr lang="en-US" dirty="0"/>
+          </a:p>
+          <a:p>
+            <a:pPr marL="342900" indent="-342900">
+              <a:buAutoNum type="arabicPeriod"/>
+            </a:pPr>
+            <a:r>
+              <a:rPr lang="en-US" dirty="0"/>
+              <a:t>Execute</a:t>
+            </a:r>
+          </a:p>
+          <a:p>
+            <a:pPr marL="800100" lvl="1" indent="-342900">
+              <a:buFont typeface="Arial" panose="020B0604020202020204" pitchFamily="34" charset="0"/>
+              <a:buChar char="•"/>
+            </a:pPr>
+            <a:r>
+              <a:rPr lang="en-US" dirty="0"/>
+              <a:t>The logic here will execute on every SET event read in</a:t>
+            </a:r>
+          </a:p>
+          <a:p>
+            <a:pPr marL="342900" indent="-342900">
+              <a:buAutoNum type="arabicPeriod"/>
+            </a:pPr>
+            <a:endParaRPr lang="en-US" dirty="0"/>
+          </a:p>
+          <a:p>
+            <a:pPr marL="342900" indent="-342900">
+              <a:buAutoNum type="arabicPeriod"/>
+            </a:pPr>
+            <a:r>
+              <a:rPr lang="en-US" dirty="0"/>
+              <a:t>Destroy</a:t>
+            </a:r>
+          </a:p>
+          <a:p>
+            <a:pPr marL="800100" lvl="1" indent="-342900">
+              <a:buFont typeface="Arial" panose="020B0604020202020204" pitchFamily="34" charset="0"/>
+              <a:buChar char="•"/>
+            </a:pPr>
+            <a:r>
+              <a:rPr lang="en-US" dirty="0"/>
+              <a:t>Logic here will execute after all the RWR files are read</a:t>
+            </a:r>
+          </a:p>
+          <a:p>
+            <a:endParaRPr lang="en-US" dirty="0"/>
+          </a:p>
+          <a:p>
+            <a:r>
+              <a:rPr lang="en-US" dirty="0"/>
+              <a:t>Like any Java Class, helper functions and methods can be added to help with logic</a:t>
+            </a:r>
+          </a:p>
+          <a:p>
+            <a:endParaRPr lang="en-US" dirty="0"/>
+          </a:p>
+          <a:p>
+            <a:endParaRPr lang="en-US" dirty="0"/>
+          </a:p>
+        </p:txBody>
+      </p:sp>
+    </p:spTree>
+    <p:extLst>
+      <p:ext uri="{BB962C8B-B14F-4D97-AF65-F5344CB8AC3E}">
+        <p14:creationId xmlns:p14="http://schemas.microsoft.com/office/powerpoint/2010/main" val="3368329750"/>
+      </p:ext>
+    </p:extLst>
+  </p:cSld>
+  <p:clrMapOvr>
+    <a:masterClrMapping/>
+  </p:clrMapOvr>
+</p:sld>
+</file>
+
+<file path=ppt/slides/slide14.xml><?xml version="1.0" encoding="utf-8"?>
+<p:sld xmlns:a="http://schemas.openxmlformats.org/drawingml/2006/main" xmlns:r="http://schemas.openxmlformats.org/officeDocument/2006/relationships" xmlns:p="http://schemas.openxmlformats.org/presentationml/2006/main">
+  <p:cSld>
+    <p:spTree>
+      <p:nvGrpSpPr>
+        <p:cNvPr id="1" name=""/>
+        <p:cNvGrpSpPr/>
+        <p:nvPr/>
+      </p:nvGrpSpPr>
+      <p:grpSpPr>
+        <a:xfrm>
+          <a:off x="0" y="0"/>
+          <a:ext cx="0" cy="0"/>
+          <a:chOff x="0" y="0"/>
+          <a:chExt cx="0" cy="0"/>
+        </a:xfrm>
+      </p:grpSpPr>
+      <p:sp>
+        <p:nvSpPr>
+          <p:cNvPr id="2" name="Title 1">
+            <a:extLst>
+              <a:ext uri="{FF2B5EF4-FFF2-40B4-BE49-F238E27FC236}">
+                <a16:creationId xmlns:a16="http://schemas.microsoft.com/office/drawing/2014/main" id="{BF1B177E-AC5C-4E2F-B944-BDF2CAF04C8A}"/>
+              </a:ext>
+            </a:extLst>
+          </p:cNvPr>
+          <p:cNvSpPr>
+            <a:spLocks noGrp="1"/>
+          </p:cNvSpPr>
+          <p:nvPr>
+            <p:ph type="title"/>
+          </p:nvPr>
+        </p:nvSpPr>
+        <p:spPr/>
+        <p:txBody>
+          <a:bodyPr/>
+          <a:lstStyle/>
+          <a:p>
+            <a:r>
+              <a:rPr lang="en-US" dirty="0" err="1"/>
+              <a:t>xPlorer</a:t>
+            </a:r>
+            <a:r>
+              <a:rPr lang="en-US" dirty="0"/>
+              <a:t> CLI tutorial</a:t>
+            </a:r>
+          </a:p>
+        </p:txBody>
+      </p:sp>
+      <p:sp>
+        <p:nvSpPr>
+          <p:cNvPr id="3" name="Content Placeholder 2">
+            <a:extLst>
+              <a:ext uri="{FF2B5EF4-FFF2-40B4-BE49-F238E27FC236}">
+                <a16:creationId xmlns:a16="http://schemas.microsoft.com/office/drawing/2014/main" id="{8330382F-11FD-43A7-ADF4-E9A3EA2283FE}"/>
+              </a:ext>
+            </a:extLst>
+          </p:cNvPr>
+          <p:cNvSpPr>
+            <a:spLocks noGrp="1"/>
+          </p:cNvSpPr>
+          <p:nvPr>
+            <p:ph idx="1"/>
+          </p:nvPr>
+        </p:nvSpPr>
+        <p:spPr>
+          <a:xfrm>
+            <a:off x="838200" y="1825624"/>
+            <a:ext cx="10515600" cy="4779571"/>
+          </a:xfrm>
+        </p:spPr>
+        <p:txBody>
+          <a:bodyPr>
+            <a:normAutofit fontScale="92500" lnSpcReduction="20000"/>
+          </a:bodyPr>
+          <a:lstStyle/>
+          <a:p>
+            <a:pPr marL="0" indent="0">
+              <a:buNone/>
+            </a:pPr>
+            <a:r>
+              <a:rPr lang="en-US" u="sng" dirty="0"/>
+              <a:t>Running Session Live</a:t>
+            </a:r>
+          </a:p>
+          <a:p>
+            <a:r>
+              <a:rPr lang="en-US" b="1" dirty="0"/>
+              <a:t>File Path to CMD: </a:t>
+            </a:r>
+            <a:r>
+              <a:rPr lang="en-US" dirty="0"/>
+              <a:t>C:\xTools\app\xplorer\ </a:t>
+            </a:r>
+          </a:p>
+          <a:p>
+            <a:r>
+              <a:rPr lang="en-US" b="1" dirty="0"/>
+              <a:t>START: </a:t>
+            </a:r>
+            <a:r>
+              <a:rPr lang="en-US" dirty="0"/>
+              <a:t>xplorer-cli.bat session create --session-configuration-file=&lt;path to </a:t>
+            </a:r>
+            <a:r>
+              <a:rPr lang="en-US" dirty="0" err="1"/>
+              <a:t>json</a:t>
+            </a:r>
+            <a:r>
+              <a:rPr lang="en-US" dirty="0"/>
+              <a:t> configuration file&gt; --start=true (*need JSON configuration file)</a:t>
+            </a:r>
+          </a:p>
+          <a:p>
+            <a:r>
+              <a:rPr lang="en-US" b="1" dirty="0"/>
+              <a:t>STOP: </a:t>
+            </a:r>
+            <a:r>
+              <a:rPr lang="en-US" dirty="0"/>
+              <a:t>xplorer-cli.bat session stop --session-id=&lt;session-id&gt;</a:t>
+            </a:r>
+          </a:p>
+          <a:p>
+            <a:endParaRPr lang="en-US" dirty="0"/>
+          </a:p>
+          <a:p>
+            <a:pPr marL="0" indent="0">
+              <a:buNone/>
+            </a:pPr>
+            <a:r>
+              <a:rPr lang="en-US" u="sng" dirty="0"/>
+              <a:t>Already have RWR files from GUI</a:t>
+            </a:r>
+          </a:p>
+          <a:p>
+            <a:r>
+              <a:rPr lang="en-US" b="1" dirty="0"/>
+              <a:t>File Path to CMD: </a:t>
+            </a:r>
+            <a:r>
+              <a:rPr lang="en-US" dirty="0"/>
+              <a:t>C:\xTools\app\xrwrdecoder\ </a:t>
+            </a:r>
+          </a:p>
+          <a:p>
+            <a:r>
+              <a:rPr lang="en-US" b="1" dirty="0"/>
+              <a:t>START:</a:t>
+            </a:r>
+            <a:r>
+              <a:rPr lang="en-US" dirty="0"/>
+              <a:t> xrwrdecoder-cli.bat process decode </a:t>
+            </a:r>
+          </a:p>
+          <a:p>
+            <a:pPr marL="457200" lvl="1" indent="0">
+              <a:buNone/>
+            </a:pPr>
+            <a:r>
+              <a:rPr lang="en-US" dirty="0"/>
+              <a:t>--product=&lt;product name&gt; --run-mode=READ </a:t>
+            </a:r>
+          </a:p>
+          <a:p>
+            <a:pPr marL="457200" lvl="1" indent="0">
+              <a:buNone/>
+            </a:pPr>
+            <a:r>
+              <a:rPr lang="en-US" dirty="0"/>
+              <a:t>--</a:t>
+            </a:r>
+            <a:r>
+              <a:rPr lang="en-US" dirty="0" err="1"/>
+              <a:t>rwr</a:t>
+            </a:r>
+            <a:r>
+              <a:rPr lang="en-US" dirty="0"/>
+              <a:t>-path&lt;path where RWR files are&gt; --</a:t>
+            </a:r>
+            <a:r>
+              <a:rPr lang="en-US" dirty="0" err="1"/>
+              <a:t>dco</a:t>
+            </a:r>
+            <a:r>
+              <a:rPr lang="en-US" dirty="0"/>
+              <a:t>-path=C:\RWR\SetDictionary.dco</a:t>
+            </a:r>
+          </a:p>
+          <a:p>
+            <a:pPr marL="457200" lvl="1" indent="0">
+              <a:buNone/>
+            </a:pPr>
+            <a:r>
+              <a:rPr lang="en-US" dirty="0"/>
+              <a:t>--output-type=NONE </a:t>
+            </a:r>
+          </a:p>
+          <a:p>
+            <a:pPr marL="457200" lvl="1" indent="0">
+              <a:buNone/>
+            </a:pPr>
+            <a:r>
+              <a:rPr lang="en-US" dirty="0"/>
+              <a:t>--plugin-classes=&lt;name of plugin class&gt; --plugin-source-directory=&lt;folder of plugin&gt;</a:t>
+            </a:r>
+          </a:p>
+          <a:p>
+            <a:endParaRPr lang="en-US" dirty="0"/>
+          </a:p>
+          <a:p>
+            <a:pPr marL="0" indent="0">
+              <a:buNone/>
+            </a:pPr>
+            <a:endParaRPr lang="en-US" dirty="0"/>
+          </a:p>
+        </p:txBody>
+      </p:sp>
+    </p:spTree>
+    <p:extLst>
+      <p:ext uri="{BB962C8B-B14F-4D97-AF65-F5344CB8AC3E}">
+        <p14:creationId xmlns:p14="http://schemas.microsoft.com/office/powerpoint/2010/main" val="3614177277"/>
+      </p:ext>
+    </p:extLst>
+  </p:cSld>
+  <p:clrMapOvr>
+    <a:masterClrMapping/>
+  </p:clrMapOvr>
+</p:sld>
+</file>
+
+<file path=ppt/slides/slide15.xml><?xml version="1.0" encoding="utf-8"?>
+<p:sld xmlns:a="http://schemas.openxmlformats.org/drawingml/2006/main" xmlns:r="http://schemas.openxmlformats.org/officeDocument/2006/relationships" xmlns:p="http://schemas.openxmlformats.org/presentationml/2006/main">
+  <p:cSld>
+    <p:spTree>
+      <p:nvGrpSpPr>
+        <p:cNvPr id="1" name=""/>
+        <p:cNvGrpSpPr/>
+        <p:nvPr/>
+      </p:nvGrpSpPr>
+      <p:grpSpPr>
+        <a:xfrm>
+          <a:off x="0" y="0"/>
+          <a:ext cx="0" cy="0"/>
+          <a:chOff x="0" y="0"/>
+          <a:chExt cx="0" cy="0"/>
+        </a:xfrm>
+      </p:grpSpPr>
+      <p:sp>
+        <p:nvSpPr>
+          <p:cNvPr id="2" name="Title 1">
+            <a:extLst>
+              <a:ext uri="{FF2B5EF4-FFF2-40B4-BE49-F238E27FC236}">
+                <a16:creationId xmlns:a16="http://schemas.microsoft.com/office/drawing/2014/main" id="{1F665630-E72E-4CC6-A7A7-677D08754D58}"/>
+              </a:ext>
+            </a:extLst>
+          </p:cNvPr>
+          <p:cNvSpPr>
+            <a:spLocks noGrp="1"/>
+          </p:cNvSpPr>
+          <p:nvPr>
+            <p:ph type="title"/>
+          </p:nvPr>
+        </p:nvSpPr>
+        <p:spPr/>
+        <p:txBody>
+          <a:bodyPr/>
+          <a:lstStyle/>
+          <a:p>
+            <a:r>
+              <a:rPr lang="en-US" dirty="0"/>
+              <a:t>Output: QoS trace</a:t>
+            </a:r>
+          </a:p>
+        </p:txBody>
+      </p:sp>
+      <p:sp>
+        <p:nvSpPr>
+          <p:cNvPr id="3" name="TextBox 2">
+            <a:extLst>
+              <a:ext uri="{FF2B5EF4-FFF2-40B4-BE49-F238E27FC236}">
+                <a16:creationId xmlns:a16="http://schemas.microsoft.com/office/drawing/2014/main" id="{A2CE3013-BA21-4AD5-B79A-7E53516A1C3E}"/>
+              </a:ext>
+            </a:extLst>
+          </p:cNvPr>
+          <p:cNvSpPr txBox="1"/>
+          <p:nvPr/>
+        </p:nvSpPr>
+        <p:spPr>
+          <a:xfrm>
+            <a:off x="1006392" y="1811004"/>
+            <a:ext cx="2129590" cy="1754326"/>
+          </a:xfrm>
+          <a:prstGeom prst="rect">
+            <a:avLst/>
+          </a:prstGeom>
+          <a:noFill/>
+        </p:spPr>
+        <p:txBody>
+          <a:bodyPr wrap="square" rtlCol="0">
+            <a:spAutoFit/>
+          </a:bodyPr>
+          <a:lstStyle/>
+          <a:p>
+            <a:r>
+              <a:rPr lang="en-US" dirty="0"/>
+              <a:t>Start event</a:t>
+            </a:r>
+          </a:p>
+          <a:p>
+            <a:r>
+              <a:rPr lang="en-US" dirty="0"/>
+              <a:t>In between event</a:t>
+            </a:r>
+          </a:p>
+          <a:p>
+            <a:r>
+              <a:rPr lang="en-US" dirty="0"/>
+              <a:t>Sequential</a:t>
+            </a:r>
+          </a:p>
+          <a:p>
+            <a:endParaRPr lang="en-US" dirty="0"/>
+          </a:p>
+          <a:p>
+            <a:r>
+              <a:rPr lang="en-US" dirty="0"/>
+              <a:t>End event</a:t>
+            </a:r>
+          </a:p>
+          <a:p>
+            <a:endParaRPr lang="en-US" dirty="0"/>
+          </a:p>
+        </p:txBody>
+      </p:sp>
+      <p:pic>
+        <p:nvPicPr>
+          <p:cNvPr id="5" name="Picture 4">
+            <a:extLst>
+              <a:ext uri="{FF2B5EF4-FFF2-40B4-BE49-F238E27FC236}">
+                <a16:creationId xmlns:a16="http://schemas.microsoft.com/office/drawing/2014/main" id="{8324775C-CFAA-46EC-A280-7FC48235F395}"/>
+              </a:ext>
+            </a:extLst>
+          </p:cNvPr>
+          <p:cNvPicPr>
+            <a:picLocks noChangeAspect="1"/>
+          </p:cNvPicPr>
+          <p:nvPr/>
+        </p:nvPicPr>
+        <p:blipFill>
+          <a:blip r:embed="rId2"/>
+          <a:stretch>
+            <a:fillRect/>
+          </a:stretch>
+        </p:blipFill>
+        <p:spPr>
+          <a:xfrm>
+            <a:off x="3135982" y="1811004"/>
+            <a:ext cx="8217818" cy="1617996"/>
+          </a:xfrm>
+          <a:prstGeom prst="rect">
+            <a:avLst/>
+          </a:prstGeom>
+        </p:spPr>
+      </p:pic>
+      <p:sp>
+        <p:nvSpPr>
+          <p:cNvPr id="10" name="Left Brace 9">
+            <a:extLst>
+              <a:ext uri="{FF2B5EF4-FFF2-40B4-BE49-F238E27FC236}">
+                <a16:creationId xmlns:a16="http://schemas.microsoft.com/office/drawing/2014/main" id="{2DEF7F5F-C5D0-4786-A47C-AD157E67E7DB}"/>
+              </a:ext>
+            </a:extLst>
+          </p:cNvPr>
+          <p:cNvSpPr/>
+          <p:nvPr/>
+        </p:nvSpPr>
+        <p:spPr>
+          <a:xfrm>
+            <a:off x="2993733" y="2415465"/>
+            <a:ext cx="45719" cy="409073"/>
+          </a:xfrm>
+          <a:prstGeom prst="leftBrace">
+            <a:avLst/>
+          </a:prstGeom>
+        </p:spPr>
+        <p:style>
+          <a:lnRef idx="1">
+            <a:schemeClr val="accent1"/>
+          </a:lnRef>
+          <a:fillRef idx="0">
+            <a:schemeClr val="accent1"/>
+          </a:fillRef>
+          <a:effectRef idx="0">
+            <a:schemeClr val="accent1"/>
+          </a:effectRef>
+          <a:fontRef idx="minor">
+            <a:schemeClr val="tx1"/>
+          </a:fontRef>
+        </p:style>
+        <p:txBody>
+          <a:bodyPr rtlCol="0" anchor="ctr"/>
+          <a:lstStyle/>
+          <a:p>
+            <a:pPr algn="ctr"/>
+            <a:endParaRPr lang="en-US"/>
+          </a:p>
+        </p:txBody>
+      </p:sp>
+      <p:cxnSp>
+        <p:nvCxnSpPr>
+          <p:cNvPr id="12" name="Straight Arrow Connector 11">
+            <a:extLst>
+              <a:ext uri="{FF2B5EF4-FFF2-40B4-BE49-F238E27FC236}">
+                <a16:creationId xmlns:a16="http://schemas.microsoft.com/office/drawing/2014/main" id="{33052619-F87E-43BA-A998-62CDDA0FF794}"/>
+              </a:ext>
+            </a:extLst>
+          </p:cNvPr>
+          <p:cNvCxnSpPr/>
+          <p:nvPr/>
+        </p:nvCxnSpPr>
+        <p:spPr>
+          <a:xfrm flipH="1">
+            <a:off x="2334126" y="1913021"/>
+            <a:ext cx="682466" cy="0"/>
+          </a:xfrm>
+          <a:prstGeom prst="straightConnector1">
+            <a:avLst/>
+          </a:prstGeom>
+          <a:ln>
+            <a:tailEnd type="triangle"/>
+          </a:ln>
+        </p:spPr>
+        <p:style>
+          <a:lnRef idx="1">
+            <a:schemeClr val="accent1"/>
+          </a:lnRef>
+          <a:fillRef idx="0">
+            <a:schemeClr val="accent1"/>
+          </a:fillRef>
+          <a:effectRef idx="0">
+            <a:schemeClr val="accent1"/>
+          </a:effectRef>
+          <a:fontRef idx="minor">
+            <a:schemeClr val="tx1"/>
+          </a:fontRef>
+        </p:style>
+      </p:cxnSp>
+      <p:cxnSp>
+        <p:nvCxnSpPr>
+          <p:cNvPr id="13" name="Straight Arrow Connector 12">
+            <a:extLst>
+              <a:ext uri="{FF2B5EF4-FFF2-40B4-BE49-F238E27FC236}">
+                <a16:creationId xmlns:a16="http://schemas.microsoft.com/office/drawing/2014/main" id="{4F1963FD-0C78-41AE-A2E2-F4B25B82F46E}"/>
+              </a:ext>
+            </a:extLst>
+          </p:cNvPr>
+          <p:cNvCxnSpPr>
+            <a:cxnSpLocks/>
+          </p:cNvCxnSpPr>
+          <p:nvPr/>
+        </p:nvCxnSpPr>
+        <p:spPr>
+          <a:xfrm flipH="1">
+            <a:off x="2165684" y="3003885"/>
+            <a:ext cx="828049" cy="124326"/>
+          </a:xfrm>
+          <a:prstGeom prst="straightConnector1">
+            <a:avLst/>
+          </a:prstGeom>
+          <a:ln>
+            <a:tailEnd type="triangle"/>
+          </a:ln>
+        </p:spPr>
+        <p:style>
+          <a:lnRef idx="1">
+            <a:schemeClr val="accent1"/>
+          </a:lnRef>
+          <a:fillRef idx="0">
+            <a:schemeClr val="accent1"/>
+          </a:fillRef>
+          <a:effectRef idx="0">
+            <a:schemeClr val="accent1"/>
+          </a:effectRef>
+          <a:fontRef idx="minor">
+            <a:schemeClr val="tx1"/>
+          </a:fontRef>
+        </p:style>
+      </p:cxnSp>
+      <p:cxnSp>
+        <p:nvCxnSpPr>
+          <p:cNvPr id="15" name="Straight Arrow Connector 14">
+            <a:extLst>
+              <a:ext uri="{FF2B5EF4-FFF2-40B4-BE49-F238E27FC236}">
+                <a16:creationId xmlns:a16="http://schemas.microsoft.com/office/drawing/2014/main" id="{8AC48489-FBCB-4146-B324-E31E9E6E096A}"/>
+              </a:ext>
+            </a:extLst>
+          </p:cNvPr>
+          <p:cNvCxnSpPr>
+            <a:cxnSpLocks/>
+          </p:cNvCxnSpPr>
+          <p:nvPr/>
+        </p:nvCxnSpPr>
+        <p:spPr>
+          <a:xfrm flipH="1">
+            <a:off x="2716820" y="2265948"/>
+            <a:ext cx="322632" cy="0"/>
+          </a:xfrm>
+          <a:prstGeom prst="straightConnector1">
+            <a:avLst/>
+          </a:prstGeom>
+          <a:ln>
+            <a:tailEnd type="triangle"/>
+          </a:ln>
+        </p:spPr>
+        <p:style>
+          <a:lnRef idx="1">
+            <a:schemeClr val="accent1"/>
+          </a:lnRef>
+          <a:fillRef idx="0">
+            <a:schemeClr val="accent1"/>
+          </a:fillRef>
+          <a:effectRef idx="0">
+            <a:schemeClr val="accent1"/>
+          </a:effectRef>
+          <a:fontRef idx="minor">
+            <a:schemeClr val="tx1"/>
+          </a:fontRef>
+        </p:style>
+      </p:cxnSp>
+      <p:cxnSp>
+        <p:nvCxnSpPr>
+          <p:cNvPr id="22" name="Straight Arrow Connector 21">
+            <a:extLst>
+              <a:ext uri="{FF2B5EF4-FFF2-40B4-BE49-F238E27FC236}">
+                <a16:creationId xmlns:a16="http://schemas.microsoft.com/office/drawing/2014/main" id="{4C6D3A9E-7F20-41FE-A7D6-7D7F3DE6713D}"/>
+              </a:ext>
+            </a:extLst>
+          </p:cNvPr>
+          <p:cNvCxnSpPr/>
+          <p:nvPr/>
+        </p:nvCxnSpPr>
+        <p:spPr>
+          <a:xfrm flipH="1">
+            <a:off x="2165684" y="2620001"/>
+            <a:ext cx="712452" cy="0"/>
+          </a:xfrm>
+          <a:prstGeom prst="straightConnector1">
+            <a:avLst/>
+          </a:prstGeom>
+          <a:ln>
+            <a:tailEnd type="triangle"/>
+          </a:ln>
+        </p:spPr>
+        <p:style>
+          <a:lnRef idx="1">
+            <a:schemeClr val="accent1"/>
+          </a:lnRef>
+          <a:fillRef idx="0">
+            <a:schemeClr val="accent1"/>
+          </a:fillRef>
+          <a:effectRef idx="0">
+            <a:schemeClr val="accent1"/>
+          </a:effectRef>
+          <a:fontRef idx="minor">
+            <a:schemeClr val="tx1"/>
+          </a:fontRef>
+        </p:style>
+      </p:cxnSp>
+      <p:sp>
+        <p:nvSpPr>
+          <p:cNvPr id="23" name="Left Brace 22">
+            <a:extLst>
+              <a:ext uri="{FF2B5EF4-FFF2-40B4-BE49-F238E27FC236}">
+                <a16:creationId xmlns:a16="http://schemas.microsoft.com/office/drawing/2014/main" id="{9CBBAA60-2308-4CF5-8A82-30C773A3E8D5}"/>
+              </a:ext>
+            </a:extLst>
+          </p:cNvPr>
+          <p:cNvSpPr/>
+          <p:nvPr/>
+        </p:nvSpPr>
+        <p:spPr>
+          <a:xfrm rot="16200000">
+            <a:off x="3498504" y="3208727"/>
+            <a:ext cx="121515" cy="802693"/>
+          </a:xfrm>
+          <a:prstGeom prst="leftBrace">
+            <a:avLst/>
+          </a:prstGeom>
+        </p:spPr>
+        <p:style>
+          <a:lnRef idx="1">
+            <a:schemeClr val="accent1"/>
+          </a:lnRef>
+          <a:fillRef idx="0">
+            <a:schemeClr val="accent1"/>
+          </a:fillRef>
+          <a:effectRef idx="0">
+            <a:schemeClr val="accent1"/>
+          </a:effectRef>
+          <a:fontRef idx="minor">
+            <a:schemeClr val="tx1"/>
+          </a:fontRef>
+        </p:style>
+        <p:txBody>
+          <a:bodyPr rtlCol="0" anchor="ctr"/>
+          <a:lstStyle/>
+          <a:p>
+            <a:pPr algn="ctr"/>
+            <a:endParaRPr lang="en-US"/>
+          </a:p>
+        </p:txBody>
+      </p:sp>
+      <p:sp>
+        <p:nvSpPr>
+          <p:cNvPr id="24" name="TextBox 23">
+            <a:extLst>
+              <a:ext uri="{FF2B5EF4-FFF2-40B4-BE49-F238E27FC236}">
+                <a16:creationId xmlns:a16="http://schemas.microsoft.com/office/drawing/2014/main" id="{A5A3D6B5-B103-4F36-A51B-5381B793BC4E}"/>
+              </a:ext>
+            </a:extLst>
+          </p:cNvPr>
+          <p:cNvSpPr txBox="1"/>
+          <p:nvPr/>
+        </p:nvSpPr>
+        <p:spPr>
+          <a:xfrm>
+            <a:off x="3039452" y="3733590"/>
+            <a:ext cx="1604737" cy="646331"/>
+          </a:xfrm>
+          <a:prstGeom prst="rect">
+            <a:avLst/>
+          </a:prstGeom>
+          <a:noFill/>
+        </p:spPr>
+        <p:txBody>
+          <a:bodyPr wrap="square" rtlCol="0">
+            <a:spAutoFit/>
+          </a:bodyPr>
+          <a:lstStyle/>
+          <a:p>
+            <a:r>
+              <a:rPr lang="en-US" dirty="0"/>
+              <a:t>Time delta, start to end</a:t>
+            </a:r>
+          </a:p>
+        </p:txBody>
+      </p:sp>
+    </p:spTree>
+    <p:extLst>
+      <p:ext uri="{BB962C8B-B14F-4D97-AF65-F5344CB8AC3E}">
+        <p14:creationId xmlns:p14="http://schemas.microsoft.com/office/powerpoint/2010/main" val="2316544733"/>
+      </p:ext>
+    </p:extLst>
+  </p:cSld>
+  <p:clrMapOvr>
+    <a:masterClrMapping/>
+  </p:clrMapOvr>
+</p:sld>
+</file>
+
+<file path=ppt/slides/slide16.xml><?xml version="1.0" encoding="utf-8"?>
+<p:sld xmlns:a="http://schemas.openxmlformats.org/drawingml/2006/main" xmlns:r="http://schemas.openxmlformats.org/officeDocument/2006/relationships" xmlns:p="http://schemas.openxmlformats.org/presentationml/2006/main">
+  <p:cSld>
+    <p:spTree>
+      <p:nvGrpSpPr>
+        <p:cNvPr id="1" name=""/>
+        <p:cNvGrpSpPr/>
+        <p:nvPr/>
+      </p:nvGrpSpPr>
+      <p:grpSpPr>
+        <a:xfrm>
+          <a:off x="0" y="0"/>
+          <a:ext cx="0" cy="0"/>
+          <a:chOff x="0" y="0"/>
+          <a:chExt cx="0" cy="0"/>
+        </a:xfrm>
+      </p:grpSpPr>
+      <p:sp>
+        <p:nvSpPr>
+          <p:cNvPr id="2" name="Title 1">
+            <a:extLst>
+              <a:ext uri="{FF2B5EF4-FFF2-40B4-BE49-F238E27FC236}">
+                <a16:creationId xmlns:a16="http://schemas.microsoft.com/office/drawing/2014/main" id="{580FB387-E670-4D61-AEA0-90654BF63078}"/>
+              </a:ext>
+            </a:extLst>
+          </p:cNvPr>
+          <p:cNvSpPr>
+            <a:spLocks noGrp="1"/>
+          </p:cNvSpPr>
+          <p:nvPr>
+            <p:ph type="title"/>
+          </p:nvPr>
+        </p:nvSpPr>
+        <p:spPr/>
+        <p:txBody>
+          <a:bodyPr/>
+          <a:lstStyle/>
+          <a:p>
+            <a:r>
+              <a:rPr lang="en-US" dirty="0"/>
+              <a:t>Output: Top Result &amp; Counter</a:t>
+            </a:r>
+          </a:p>
+        </p:txBody>
+      </p:sp>
+      <p:pic>
+        <p:nvPicPr>
+          <p:cNvPr id="4" name="Picture 3">
+            <a:extLst>
+              <a:ext uri="{FF2B5EF4-FFF2-40B4-BE49-F238E27FC236}">
+                <a16:creationId xmlns:a16="http://schemas.microsoft.com/office/drawing/2014/main" id="{1F31F6BF-83D3-4F33-BD48-80F85D9351C0}"/>
+              </a:ext>
+            </a:extLst>
+          </p:cNvPr>
+          <p:cNvPicPr>
+            <a:picLocks noChangeAspect="1"/>
+          </p:cNvPicPr>
+          <p:nvPr/>
+        </p:nvPicPr>
+        <p:blipFill>
+          <a:blip r:embed="rId2"/>
+          <a:stretch>
+            <a:fillRect/>
+          </a:stretch>
+        </p:blipFill>
+        <p:spPr>
+          <a:xfrm>
+            <a:off x="2547186" y="2514600"/>
+            <a:ext cx="2381250" cy="2705100"/>
+          </a:xfrm>
+          <a:prstGeom prst="rect">
+            <a:avLst/>
+          </a:prstGeom>
+        </p:spPr>
+      </p:pic>
+      <p:pic>
+        <p:nvPicPr>
+          <p:cNvPr id="5" name="Picture 4">
+            <a:extLst>
+              <a:ext uri="{FF2B5EF4-FFF2-40B4-BE49-F238E27FC236}">
+                <a16:creationId xmlns:a16="http://schemas.microsoft.com/office/drawing/2014/main" id="{791BBF6A-616C-4A34-AB0D-6A31BF2E3412}"/>
+              </a:ext>
+            </a:extLst>
+          </p:cNvPr>
+          <p:cNvPicPr>
+            <a:picLocks noChangeAspect="1"/>
+          </p:cNvPicPr>
+          <p:nvPr/>
+        </p:nvPicPr>
+        <p:blipFill>
+          <a:blip r:embed="rId3"/>
+          <a:stretch>
+            <a:fillRect/>
+          </a:stretch>
+        </p:blipFill>
+        <p:spPr>
+          <a:xfrm>
+            <a:off x="7263566" y="2439043"/>
+            <a:ext cx="1964655" cy="2758877"/>
+          </a:xfrm>
+          <a:prstGeom prst="rect">
+            <a:avLst/>
+          </a:prstGeom>
+        </p:spPr>
+      </p:pic>
+      <p:sp>
+        <p:nvSpPr>
+          <p:cNvPr id="6" name="TextBox 5">
+            <a:extLst>
+              <a:ext uri="{FF2B5EF4-FFF2-40B4-BE49-F238E27FC236}">
+                <a16:creationId xmlns:a16="http://schemas.microsoft.com/office/drawing/2014/main" id="{97EE7EB7-9D6F-4285-87C8-9157EE2F8763}"/>
+              </a:ext>
+            </a:extLst>
+          </p:cNvPr>
+          <p:cNvSpPr txBox="1"/>
+          <p:nvPr/>
+        </p:nvSpPr>
+        <p:spPr>
+          <a:xfrm>
+            <a:off x="2547186" y="2003788"/>
+            <a:ext cx="2695073" cy="369332"/>
+          </a:xfrm>
+          <a:prstGeom prst="rect">
+            <a:avLst/>
+          </a:prstGeom>
+          <a:noFill/>
+        </p:spPr>
+        <p:txBody>
+          <a:bodyPr wrap="square" rtlCol="0">
+            <a:spAutoFit/>
+          </a:bodyPr>
+          <a:lstStyle/>
+          <a:p>
+            <a:r>
+              <a:rPr lang="en-US" dirty="0"/>
+              <a:t>Top 10 Results</a:t>
+            </a:r>
+          </a:p>
+        </p:txBody>
+      </p:sp>
+      <p:sp>
+        <p:nvSpPr>
+          <p:cNvPr id="7" name="TextBox 6">
+            <a:extLst>
+              <a:ext uri="{FF2B5EF4-FFF2-40B4-BE49-F238E27FC236}">
+                <a16:creationId xmlns:a16="http://schemas.microsoft.com/office/drawing/2014/main" id="{12D86E13-736F-459F-916B-AE2909E3014D}"/>
+              </a:ext>
+            </a:extLst>
+          </p:cNvPr>
+          <p:cNvSpPr txBox="1"/>
+          <p:nvPr/>
+        </p:nvSpPr>
+        <p:spPr>
+          <a:xfrm>
+            <a:off x="7263566" y="2003788"/>
+            <a:ext cx="2695073" cy="369332"/>
+          </a:xfrm>
+          <a:prstGeom prst="rect">
+            <a:avLst/>
+          </a:prstGeom>
+          <a:noFill/>
+        </p:spPr>
+        <p:txBody>
+          <a:bodyPr wrap="square" rtlCol="0">
+            <a:spAutoFit/>
+          </a:bodyPr>
+          <a:lstStyle/>
+          <a:p>
+            <a:r>
+              <a:rPr lang="en-US" dirty="0"/>
+              <a:t>Counter of events</a:t>
+            </a:r>
+          </a:p>
+        </p:txBody>
+      </p:sp>
+    </p:spTree>
+    <p:extLst>
+      <p:ext uri="{BB962C8B-B14F-4D97-AF65-F5344CB8AC3E}">
+        <p14:creationId xmlns:p14="http://schemas.microsoft.com/office/powerpoint/2010/main" val="802101518"/>
+      </p:ext>
+    </p:extLst>
+  </p:cSld>
+  <p:clrMapOvr>
+    <a:masterClrMapping/>
+  </p:clrMapOvr>
+</p:sld>
+</file>
+
+<file path=ppt/slides/slide17.xml><?xml version="1.0" encoding="utf-8"?>
+<p:sld xmlns:a="http://schemas.openxmlformats.org/drawingml/2006/main" xmlns:r="http://schemas.openxmlformats.org/officeDocument/2006/relationships" xmlns:p="http://schemas.openxmlformats.org/presentationml/2006/main">
+  <p:cSld>
+    <p:spTree>
+      <p:nvGrpSpPr>
+        <p:cNvPr id="1" name=""/>
+        <p:cNvGrpSpPr/>
+        <p:nvPr/>
+      </p:nvGrpSpPr>
+      <p:grpSpPr>
+        <a:xfrm>
+          <a:off x="0" y="0"/>
+          <a:ext cx="0" cy="0"/>
+          <a:chOff x="0" y="0"/>
+          <a:chExt cx="0" cy="0"/>
+        </a:xfrm>
+      </p:grpSpPr>
+      <p:sp>
+        <p:nvSpPr>
+          <p:cNvPr id="2" name="Title 1">
+            <a:extLst>
+              <a:ext uri="{FF2B5EF4-FFF2-40B4-BE49-F238E27FC236}">
+                <a16:creationId xmlns:a16="http://schemas.microsoft.com/office/drawing/2014/main" id="{DEABA721-743C-41E0-A4C4-F6B2C3BC655E}"/>
+              </a:ext>
+            </a:extLst>
+          </p:cNvPr>
+          <p:cNvSpPr>
+            <a:spLocks noGrp="1"/>
+          </p:cNvSpPr>
+          <p:nvPr>
+            <p:ph type="title"/>
+          </p:nvPr>
+        </p:nvSpPr>
+        <p:spPr/>
+        <p:txBody>
+          <a:bodyPr/>
+          <a:lstStyle/>
+          <a:p>
+            <a:r>
+              <a:rPr lang="en-US" dirty="0"/>
+              <a:t>Time &amp; Data metrics</a:t>
+            </a:r>
+          </a:p>
+        </p:txBody>
+      </p:sp>
+      <p:sp>
+        <p:nvSpPr>
+          <p:cNvPr id="3" name="Content Placeholder 2">
+            <a:extLst>
+              <a:ext uri="{FF2B5EF4-FFF2-40B4-BE49-F238E27FC236}">
+                <a16:creationId xmlns:a16="http://schemas.microsoft.com/office/drawing/2014/main" id="{F5382961-DD8E-413E-9543-C6CD73086480}"/>
+              </a:ext>
+            </a:extLst>
+          </p:cNvPr>
+          <p:cNvSpPr>
+            <a:spLocks noGrp="1"/>
+          </p:cNvSpPr>
+          <p:nvPr>
+            <p:ph idx="1"/>
+          </p:nvPr>
+        </p:nvSpPr>
+        <p:spPr/>
+        <p:txBody>
+          <a:bodyPr/>
+          <a:lstStyle/>
+          <a:p>
+            <a:r>
+              <a:rPr lang="en-US" dirty="0"/>
+              <a:t>Time</a:t>
+            </a:r>
+          </a:p>
+          <a:p>
+            <a:pPr marL="914400" lvl="1" indent="-457200">
+              <a:buFont typeface="+mj-lt"/>
+              <a:buAutoNum type="arabicPeriod"/>
+            </a:pPr>
+            <a:r>
+              <a:rPr lang="en-US" dirty="0"/>
+              <a:t>Plugin time </a:t>
+            </a:r>
+          </a:p>
+          <a:p>
+            <a:pPr marL="1371600" lvl="2" indent="-457200">
+              <a:buFont typeface="+mj-lt"/>
+              <a:buAutoNum type="alphaLcParenR"/>
+            </a:pPr>
+            <a:r>
+              <a:rPr lang="en-US" dirty="0"/>
+              <a:t>Start, inbtwn, end, counter, sequential: 15.293 secs </a:t>
+            </a:r>
+          </a:p>
+          <a:p>
+            <a:pPr marL="1371600" lvl="2" indent="-457200">
+              <a:buFont typeface="+mj-lt"/>
+              <a:buAutoNum type="alphaLcParenR"/>
+            </a:pPr>
+            <a:r>
+              <a:rPr lang="en-US" dirty="0"/>
+              <a:t>Start, inbtwn, end (one): 15.935 secs</a:t>
+            </a:r>
+          </a:p>
+          <a:p>
+            <a:pPr marL="1371600" lvl="2" indent="-457200">
+              <a:buFont typeface="+mj-lt"/>
+              <a:buAutoNum type="alphaLcParenR"/>
+            </a:pPr>
+            <a:r>
+              <a:rPr lang="en-US" dirty="0"/>
+              <a:t>Counter: 14.931 secs</a:t>
+            </a:r>
+          </a:p>
+          <a:p>
+            <a:pPr marL="914400" lvl="1" indent="-457200">
+              <a:buFont typeface="+mj-lt"/>
+              <a:buAutoNum type="arabicPeriod"/>
+            </a:pPr>
+            <a:r>
+              <a:rPr lang="en-US" dirty="0"/>
+              <a:t>Time it takes to generate 100mb RWR files:</a:t>
+            </a:r>
+          </a:p>
+          <a:p>
+            <a:pPr marL="1371600" lvl="2" indent="-457200">
+              <a:buFont typeface="+mj-lt"/>
+              <a:buAutoNum type="alphaLcParenR"/>
+            </a:pPr>
+            <a:r>
+              <a:rPr lang="en-US" dirty="0"/>
+              <a:t>1.870 - 2.072 secs</a:t>
+            </a:r>
+          </a:p>
+          <a:p>
+            <a:r>
+              <a:rPr lang="en-US" dirty="0"/>
+              <a:t>Space</a:t>
+            </a:r>
+          </a:p>
+          <a:p>
+            <a:pPr marL="914400" lvl="1" indent="-457200">
+              <a:buFont typeface="+mj-lt"/>
+              <a:buAutoNum type="arabicPeriod"/>
+            </a:pPr>
+            <a:r>
+              <a:rPr lang="en-US" dirty="0"/>
+              <a:t>RWR space: 30 min test = ~868 RWR files = ~86 </a:t>
+            </a:r>
+            <a:r>
+              <a:rPr lang="en-US" dirty="0" err="1"/>
+              <a:t>Gbs</a:t>
+            </a:r>
+            <a:r>
+              <a:rPr lang="en-US" dirty="0"/>
+              <a:t> of data</a:t>
+            </a:r>
+          </a:p>
+          <a:p>
+            <a:pPr marL="914400" lvl="1" indent="-457200">
+              <a:buFont typeface="+mj-lt"/>
+              <a:buAutoNum type="arabicPeriod"/>
+            </a:pPr>
+            <a:endParaRPr lang="en-US" dirty="0"/>
+          </a:p>
+        </p:txBody>
+      </p:sp>
+      <p:pic>
+        <p:nvPicPr>
+          <p:cNvPr id="4" name="Picture 3">
+            <a:extLst>
+              <a:ext uri="{FF2B5EF4-FFF2-40B4-BE49-F238E27FC236}">
+                <a16:creationId xmlns:a16="http://schemas.microsoft.com/office/drawing/2014/main" id="{561232DD-C4E1-45B8-95DE-4346AE0ED4B6}"/>
+              </a:ext>
+            </a:extLst>
+          </p:cNvPr>
+          <p:cNvPicPr>
+            <a:picLocks noChangeAspect="1"/>
+          </p:cNvPicPr>
+          <p:nvPr/>
+        </p:nvPicPr>
+        <p:blipFill>
+          <a:blip r:embed="rId2"/>
+          <a:stretch>
+            <a:fillRect/>
+          </a:stretch>
+        </p:blipFill>
+        <p:spPr>
+          <a:xfrm>
+            <a:off x="7741920" y="199073"/>
+            <a:ext cx="4267200" cy="2495550"/>
+          </a:xfrm>
+          <a:prstGeom prst="rect">
+            <a:avLst/>
+          </a:prstGeom>
+        </p:spPr>
+      </p:pic>
+      <p:pic>
+        <p:nvPicPr>
+          <p:cNvPr id="5" name="Picture 4">
+            <a:extLst>
+              <a:ext uri="{FF2B5EF4-FFF2-40B4-BE49-F238E27FC236}">
+                <a16:creationId xmlns:a16="http://schemas.microsoft.com/office/drawing/2014/main" id="{C366217E-BE75-448F-AC01-B067FBB54CB4}"/>
+              </a:ext>
+            </a:extLst>
+          </p:cNvPr>
+          <p:cNvPicPr>
+            <a:picLocks noChangeAspect="1"/>
+          </p:cNvPicPr>
+          <p:nvPr/>
+        </p:nvPicPr>
+        <p:blipFill>
+          <a:blip r:embed="rId3"/>
+          <a:stretch>
+            <a:fillRect/>
+          </a:stretch>
+        </p:blipFill>
+        <p:spPr>
+          <a:xfrm>
+            <a:off x="7741920" y="2860675"/>
+            <a:ext cx="4267200" cy="1002220"/>
+          </a:xfrm>
+          <a:prstGeom prst="rect">
+            <a:avLst/>
+          </a:prstGeom>
+        </p:spPr>
+      </p:pic>
+      <p:pic>
+        <p:nvPicPr>
+          <p:cNvPr id="6" name="Picture 5">
+            <a:extLst>
+              <a:ext uri="{FF2B5EF4-FFF2-40B4-BE49-F238E27FC236}">
+                <a16:creationId xmlns:a16="http://schemas.microsoft.com/office/drawing/2014/main" id="{A77AB51E-C480-4083-AA3E-D0C8341B5D45}"/>
+              </a:ext>
+            </a:extLst>
+          </p:cNvPr>
+          <p:cNvPicPr>
+            <a:picLocks noChangeAspect="1"/>
+          </p:cNvPicPr>
+          <p:nvPr/>
+        </p:nvPicPr>
+        <p:blipFill>
+          <a:blip r:embed="rId4"/>
+          <a:stretch>
+            <a:fillRect/>
+          </a:stretch>
+        </p:blipFill>
+        <p:spPr>
+          <a:xfrm>
+            <a:off x="7741920" y="4028947"/>
+            <a:ext cx="4295774" cy="591436"/>
+          </a:xfrm>
+          <a:prstGeom prst="rect">
+            <a:avLst/>
+          </a:prstGeom>
+        </p:spPr>
+      </p:pic>
+    </p:spTree>
+    <p:extLst>
+      <p:ext uri="{BB962C8B-B14F-4D97-AF65-F5344CB8AC3E}">
+        <p14:creationId xmlns:p14="http://schemas.microsoft.com/office/powerpoint/2010/main" val="362050809"/>
+      </p:ext>
+    </p:extLst>
+  </p:cSld>
+  <p:clrMapOvr>
+    <a:masterClrMapping/>
+  </p:clrMapOvr>
+</p:sld>
+</file>
+
+<file path=ppt/slides/slide18.xml><?xml version="1.0" encoding="utf-8"?>
+<p:sld xmlns:a="http://schemas.openxmlformats.org/drawingml/2006/main" xmlns:r="http://schemas.openxmlformats.org/officeDocument/2006/relationships" xmlns:p="http://schemas.openxmlformats.org/presentationml/2006/main">
+  <p:cSld>
+    <p:spTree>
+      <p:nvGrpSpPr>
+        <p:cNvPr id="1" name=""/>
+        <p:cNvGrpSpPr/>
+        <p:nvPr/>
+      </p:nvGrpSpPr>
+      <p:grpSpPr>
+        <a:xfrm>
+          <a:off x="0" y="0"/>
+          <a:ext cx="0" cy="0"/>
+          <a:chOff x="0" y="0"/>
+          <a:chExt cx="0" cy="0"/>
+        </a:xfrm>
+      </p:grpSpPr>
+      <p:sp>
+        <p:nvSpPr>
+          <p:cNvPr id="2" name="Title 1">
+            <a:extLst>
+              <a:ext uri="{FF2B5EF4-FFF2-40B4-BE49-F238E27FC236}">
+                <a16:creationId xmlns:a16="http://schemas.microsoft.com/office/drawing/2014/main" id="{7B122A6F-1862-46F5-80EA-249D4EBCDDCC}"/>
+              </a:ext>
+            </a:extLst>
+          </p:cNvPr>
+          <p:cNvSpPr>
+            <a:spLocks noGrp="1"/>
+          </p:cNvSpPr>
+          <p:nvPr>
+            <p:ph type="title"/>
+          </p:nvPr>
+        </p:nvSpPr>
+        <p:spPr/>
+        <p:txBody>
+          <a:bodyPr/>
+          <a:lstStyle/>
+          <a:p>
+            <a:r>
+              <a:rPr lang="en-US" dirty="0"/>
+              <a:t>Q &amp; A</a:t>
+            </a:r>
+          </a:p>
+        </p:txBody>
+      </p:sp>
+    </p:spTree>
+    <p:extLst>
+      <p:ext uri="{BB962C8B-B14F-4D97-AF65-F5344CB8AC3E}">
+        <p14:creationId xmlns:p14="http://schemas.microsoft.com/office/powerpoint/2010/main" val="3562861753"/>
+      </p:ext>
+    </p:extLst>
+  </p:cSld>
+  <p:clrMapOvr>
+    <a:masterClrMapping/>
+  </p:clrMapOvr>
+</p:sld>
+</file>
+
+<file path=ppt/slides/slide19.xml><?xml version="1.0" encoding="utf-8"?>
+<p:sld xmlns:a="http://schemas.openxmlformats.org/drawingml/2006/main" xmlns:r="http://schemas.openxmlformats.org/officeDocument/2006/relationships" xmlns:p="http://schemas.openxmlformats.org/presentationml/2006/main">
+  <p:cSld>
+    <p:spTree>
+      <p:nvGrpSpPr>
+        <p:cNvPr id="1" name=""/>
+        <p:cNvGrpSpPr/>
+        <p:nvPr/>
+      </p:nvGrpSpPr>
+      <p:grpSpPr>
+        <a:xfrm>
+          <a:off x="0" y="0"/>
+          <a:ext cx="0" cy="0"/>
+          <a:chOff x="0" y="0"/>
+          <a:chExt cx="0" cy="0"/>
+        </a:xfrm>
+      </p:grpSpPr>
+      <p:sp>
+        <p:nvSpPr>
+          <p:cNvPr id="2" name="Title 1">
+            <a:extLst>
+              <a:ext uri="{FF2B5EF4-FFF2-40B4-BE49-F238E27FC236}">
                 <a16:creationId xmlns:a16="http://schemas.microsoft.com/office/drawing/2014/main" id="{351CA672-E1E7-4D01-A728-96450C2D3709}"/>
               </a:ext>
             </a:extLst>
@@ -4129,7 +6730,7 @@
           <p:cNvPr id="2" name="Title 1">
             <a:extLst>
               <a:ext uri="{FF2B5EF4-FFF2-40B4-BE49-F238E27FC236}">
-                <a16:creationId xmlns:a16="http://schemas.microsoft.com/office/drawing/2014/main" id="{0C182406-C80A-4851-9E67-375D3246E280}"/>
+                <a16:creationId xmlns:a16="http://schemas.microsoft.com/office/drawing/2014/main" id="{30E2DFC9-C239-4D31-84C0-03718CB70355}"/>
               </a:ext>
             </a:extLst>
           </p:cNvPr>
@@ -4147,7 +6748,7 @@
           <a:p>
             <a:r>
               <a:rPr lang="en-US" dirty="0"/>
-              <a:t>Purpose</a:t>
+              <a:t>Summer Goal</a:t>
             </a:r>
           </a:p>
         </p:txBody>
@@ -4157,7 +6758,7 @@
           <p:cNvPr id="3" name="Content Placeholder 2">
             <a:extLst>
               <a:ext uri="{FF2B5EF4-FFF2-40B4-BE49-F238E27FC236}">
-                <a16:creationId xmlns:a16="http://schemas.microsoft.com/office/drawing/2014/main" id="{AAC47BFF-BB3D-422C-BACC-8E350D6FC479}"/>
+                <a16:creationId xmlns:a16="http://schemas.microsoft.com/office/drawing/2014/main" id="{3FE83E98-4A3D-491B-94BB-A66322EDA320}"/>
               </a:ext>
             </a:extLst>
           </p:cNvPr>
@@ -4175,181 +6776,21 @@
           <a:p>
             <a:r>
               <a:rPr lang="en-US" dirty="0"/>
-              <a:t>“Explorer filter on steroids” – Matt </a:t>
-            </a:r>
-          </a:p>
-          <a:p>
-            <a:r>
-              <a:rPr lang="en-US" dirty="0"/>
-              <a:t>To analysis performance of the drive</a:t>
-            </a:r>
-          </a:p>
-          <a:p>
-            <a:pPr marL="914400" lvl="1" indent="-457200">
-              <a:buFont typeface="+mj-lt"/>
-              <a:buAutoNum type="arabicPeriod"/>
-            </a:pPr>
-            <a:r>
-              <a:rPr lang="en-US" dirty="0"/>
-              <a:t>Give QOS by measuring the time each command takes.</a:t>
-            </a:r>
-          </a:p>
-          <a:p>
-            <a:r>
-              <a:rPr lang="en-US" dirty="0"/>
-              <a:t>To link events to allow for more efficient debugging</a:t>
-            </a:r>
-          </a:p>
-          <a:p>
-            <a:pPr marL="914400" lvl="1" indent="-457200">
-              <a:buFont typeface="+mj-lt"/>
-              <a:buAutoNum type="arabicPeriod"/>
-            </a:pPr>
-            <a:r>
-              <a:rPr lang="en-US" dirty="0"/>
-              <a:t>Grouping SET events and outputting to a CSV file</a:t>
-            </a:r>
-          </a:p>
-          <a:p>
-            <a:pPr marL="914400" lvl="1" indent="-457200">
-              <a:buFont typeface="+mj-lt"/>
-              <a:buAutoNum type="arabicPeriod"/>
-            </a:pPr>
-            <a:endParaRPr lang="en-US" dirty="0"/>
-          </a:p>
-          <a:p>
-            <a:pPr marL="914400" lvl="1" indent="-457200">
-              <a:buFont typeface="+mj-lt"/>
-              <a:buAutoNum type="arabicPeriod"/>
-            </a:pPr>
-            <a:endParaRPr lang="en-US" dirty="0"/>
-          </a:p>
-          <a:p>
-            <a:pPr marL="914400" lvl="1" indent="-457200">
-              <a:buFont typeface="+mj-lt"/>
-              <a:buAutoNum type="arabicPeriod"/>
-            </a:pPr>
-            <a:r>
-              <a:rPr lang="en-US" dirty="0"/>
-              <a:t>Counting number of SET events </a:t>
-            </a:r>
-          </a:p>
-          <a:p>
-            <a:pPr marL="914400" lvl="1" indent="-457200">
-              <a:buFont typeface="+mj-lt"/>
-              <a:buAutoNum type="arabicPeriod"/>
-            </a:pPr>
-            <a:endParaRPr lang="en-US" dirty="0"/>
-          </a:p>
-          <a:p>
-            <a:pPr marL="914400" lvl="1" indent="-457200">
-              <a:buFont typeface="+mj-lt"/>
-              <a:buAutoNum type="arabicPeriod"/>
-            </a:pPr>
-            <a:r>
-              <a:rPr lang="en-US" dirty="0"/>
-              <a:t>Sequential SET events (events that don’t have matching parameters)</a:t>
-            </a:r>
-          </a:p>
-          <a:p>
-            <a:pPr marL="914400" lvl="1" indent="-457200">
-              <a:buFont typeface="+mj-lt"/>
-              <a:buAutoNum type="arabicPeriod"/>
-            </a:pPr>
-            <a:endParaRPr lang="en-US" dirty="0"/>
-          </a:p>
-        </p:txBody>
-      </p:sp>
-      <p:pic>
-        <p:nvPicPr>
-          <p:cNvPr id="4" name="Picture 3">
-            <a:extLst>
-              <a:ext uri="{FF2B5EF4-FFF2-40B4-BE49-F238E27FC236}">
-                <a16:creationId xmlns:a16="http://schemas.microsoft.com/office/drawing/2014/main" id="{FDDE8B0A-0AE8-4EC9-B7E0-460FE9687D6B}"/>
-              </a:ext>
-            </a:extLst>
-          </p:cNvPr>
-          <p:cNvPicPr/>
-          <p:nvPr/>
-        </p:nvPicPr>
-        <p:blipFill>
-          <a:blip r:embed="rId3"/>
-          <a:stretch>
-            <a:fillRect/>
-          </a:stretch>
-        </p:blipFill>
-        <p:spPr>
-          <a:xfrm>
-            <a:off x="1763060" y="6042234"/>
-            <a:ext cx="7597507" cy="539332"/>
-          </a:xfrm>
-          <a:prstGeom prst="rect">
-            <a:avLst/>
-          </a:prstGeom>
-        </p:spPr>
-      </p:pic>
-      <p:pic>
-        <p:nvPicPr>
-          <p:cNvPr id="5" name="Picture 4">
-            <a:extLst>
-              <a:ext uri="{FF2B5EF4-FFF2-40B4-BE49-F238E27FC236}">
-                <a16:creationId xmlns:a16="http://schemas.microsoft.com/office/drawing/2014/main" id="{4329506F-6A60-4E7C-A257-B191692C55F8}"/>
-              </a:ext>
-            </a:extLst>
-          </p:cNvPr>
-          <p:cNvPicPr/>
-          <p:nvPr/>
-        </p:nvPicPr>
-        <p:blipFill>
-          <a:blip r:embed="rId4"/>
-          <a:stretch>
-            <a:fillRect/>
-          </a:stretch>
-        </p:blipFill>
-        <p:spPr>
-          <a:xfrm>
-            <a:off x="1763061" y="5254516"/>
-            <a:ext cx="7597506" cy="339592"/>
-          </a:xfrm>
-          <a:prstGeom prst="rect">
-            <a:avLst/>
-          </a:prstGeom>
-        </p:spPr>
-      </p:pic>
-      <p:pic>
-        <p:nvPicPr>
-          <p:cNvPr id="6" name="Picture 5">
-            <a:extLst>
-              <a:ext uri="{FF2B5EF4-FFF2-40B4-BE49-F238E27FC236}">
-                <a16:creationId xmlns:a16="http://schemas.microsoft.com/office/drawing/2014/main" id="{E5B931D7-2511-436B-820A-31AB9BA73AF5}"/>
-              </a:ext>
-            </a:extLst>
-          </p:cNvPr>
-          <p:cNvPicPr>
-            <a:picLocks noChangeAspect="1"/>
-          </p:cNvPicPr>
-          <p:nvPr/>
-        </p:nvPicPr>
-        <p:blipFill>
-          <a:blip r:embed="rId5"/>
-          <a:stretch>
-            <a:fillRect/>
-          </a:stretch>
-        </p:blipFill>
-        <p:spPr>
-          <a:xfrm>
-            <a:off x="1763060" y="4137375"/>
-            <a:ext cx="7597506" cy="712537"/>
-          </a:xfrm>
-          <a:prstGeom prst="rect">
-            <a:avLst/>
-          </a:prstGeom>
-        </p:spPr>
-      </p:pic>
+              <a:t>Develop a mechanism to measure drive performance including IOP/s and QOS</a:t>
+            </a:r>
+          </a:p>
+          <a:p>
+            <a:r>
+              <a:rPr lang="en-US" dirty="0"/>
+              <a:t>Also provide a method of debugging the events of the drive if there are dips in performance.</a:t>
+            </a:r>
+          </a:p>
+        </p:txBody>
+      </p:sp>
     </p:spTree>
     <p:extLst>
       <p:ext uri="{BB962C8B-B14F-4D97-AF65-F5344CB8AC3E}">
-        <p14:creationId xmlns:p14="http://schemas.microsoft.com/office/powerpoint/2010/main" val="3256367580"/>
+        <p14:creationId xmlns:p14="http://schemas.microsoft.com/office/powerpoint/2010/main" val="1946781362"/>
       </p:ext>
     </p:extLst>
   </p:cSld>
@@ -4381,7 +6822,7 @@
           <p:cNvPr id="2" name="Title 1">
             <a:extLst>
               <a:ext uri="{FF2B5EF4-FFF2-40B4-BE49-F238E27FC236}">
-                <a16:creationId xmlns:a16="http://schemas.microsoft.com/office/drawing/2014/main" id="{2FCA8C8B-B3A2-4399-8F8B-4595186F399C}"/>
+                <a16:creationId xmlns:a16="http://schemas.microsoft.com/office/drawing/2014/main" id="{0C182406-C80A-4851-9E67-375D3246E280}"/>
               </a:ext>
             </a:extLst>
           </p:cNvPr>
@@ -4399,153 +6840,567 @@
           <a:p>
             <a:r>
               <a:rPr lang="en-US" dirty="0"/>
-              <a:t>Configuration file tutorial</a:t>
-            </a:r>
+              <a:t>Purpose</a:t>
+            </a:r>
+          </a:p>
+        </p:txBody>
+      </p:sp>
+      <p:sp>
+        <p:nvSpPr>
+          <p:cNvPr id="3" name="Content Placeholder 2">
+            <a:extLst>
+              <a:ext uri="{FF2B5EF4-FFF2-40B4-BE49-F238E27FC236}">
+                <a16:creationId xmlns:a16="http://schemas.microsoft.com/office/drawing/2014/main" id="{AAC47BFF-BB3D-422C-BACC-8E350D6FC479}"/>
+              </a:ext>
+            </a:extLst>
+          </p:cNvPr>
+          <p:cNvSpPr>
+            <a:spLocks noGrp="1"/>
+          </p:cNvSpPr>
+          <p:nvPr>
+            <p:ph idx="1"/>
+          </p:nvPr>
+        </p:nvSpPr>
+        <p:spPr/>
+        <p:txBody>
+          <a:bodyPr/>
+          <a:lstStyle/>
+          <a:p>
+            <a:r>
+              <a:rPr lang="en-US" dirty="0"/>
+              <a:t>“Explorer filter on steroids” – Matt </a:t>
+            </a:r>
+          </a:p>
+          <a:p>
+            <a:r>
+              <a:rPr lang="en-US" dirty="0"/>
+              <a:t>To analysis performance of the drive</a:t>
+            </a:r>
+          </a:p>
+          <a:p>
+            <a:pPr marL="914400" lvl="1" indent="-457200">
+              <a:buFont typeface="+mj-lt"/>
+              <a:buAutoNum type="arabicPeriod"/>
+            </a:pPr>
+            <a:r>
+              <a:rPr lang="en-US" dirty="0"/>
+              <a:t>Give QOS by measuring the time each command takes.</a:t>
+            </a:r>
+          </a:p>
+          <a:p>
+            <a:r>
+              <a:rPr lang="en-US" dirty="0"/>
+              <a:t>To link events to allow for more efficient debugging</a:t>
+            </a:r>
+          </a:p>
+          <a:p>
+            <a:pPr marL="914400" lvl="1" indent="-457200">
+              <a:buFont typeface="+mj-lt"/>
+              <a:buAutoNum type="arabicPeriod"/>
+            </a:pPr>
+            <a:r>
+              <a:rPr lang="en-US" dirty="0"/>
+              <a:t>Grouping SET events and outputting to a CSV file</a:t>
+            </a:r>
+          </a:p>
+          <a:p>
+            <a:pPr marL="914400" lvl="1" indent="-457200">
+              <a:buFont typeface="+mj-lt"/>
+              <a:buAutoNum type="arabicPeriod"/>
+            </a:pPr>
+            <a:endParaRPr lang="en-US" dirty="0"/>
+          </a:p>
+          <a:p>
+            <a:pPr marL="914400" lvl="1" indent="-457200">
+              <a:buFont typeface="+mj-lt"/>
+              <a:buAutoNum type="arabicPeriod"/>
+            </a:pPr>
+            <a:endParaRPr lang="en-US" dirty="0"/>
+          </a:p>
+          <a:p>
+            <a:pPr marL="914400" lvl="1" indent="-457200">
+              <a:buFont typeface="+mj-lt"/>
+              <a:buAutoNum type="arabicPeriod"/>
+            </a:pPr>
+            <a:r>
+              <a:rPr lang="en-US" dirty="0"/>
+              <a:t>Counting number of SET events </a:t>
+            </a:r>
+          </a:p>
+          <a:p>
+            <a:pPr marL="914400" lvl="1" indent="-457200">
+              <a:buFont typeface="+mj-lt"/>
+              <a:buAutoNum type="arabicPeriod"/>
+            </a:pPr>
+            <a:endParaRPr lang="en-US" dirty="0"/>
+          </a:p>
+          <a:p>
+            <a:pPr marL="914400" lvl="1" indent="-457200">
+              <a:buFont typeface="+mj-lt"/>
+              <a:buAutoNum type="arabicPeriod"/>
+            </a:pPr>
+            <a:r>
+              <a:rPr lang="en-US" dirty="0"/>
+              <a:t>Sequential SET events (events that don’t have matching parameters)</a:t>
+            </a:r>
+          </a:p>
+          <a:p>
+            <a:pPr marL="914400" lvl="1" indent="-457200">
+              <a:buFont typeface="+mj-lt"/>
+              <a:buAutoNum type="arabicPeriod"/>
+            </a:pPr>
+            <a:endParaRPr lang="en-US" dirty="0"/>
           </a:p>
         </p:txBody>
       </p:sp>
       <p:pic>
         <p:nvPicPr>
-          <p:cNvPr id="4" name="Content Placeholder 3">
-            <a:extLst>
-              <a:ext uri="{FF2B5EF4-FFF2-40B4-BE49-F238E27FC236}">
-                <a16:creationId xmlns:a16="http://schemas.microsoft.com/office/drawing/2014/main" id="{11E4A681-B4BE-4852-B9E7-C55C40DF2ECA}"/>
-              </a:ext>
-            </a:extLst>
-          </p:cNvPr>
-          <p:cNvPicPr>
-            <a:picLocks noGrp="1" noChangeAspect="1"/>
-          </p:cNvPicPr>
-          <p:nvPr>
-            <p:ph idx="1"/>
-          </p:nvPr>
+          <p:cNvPr id="4" name="Picture 3">
+            <a:extLst>
+              <a:ext uri="{FF2B5EF4-FFF2-40B4-BE49-F238E27FC236}">
+                <a16:creationId xmlns:a16="http://schemas.microsoft.com/office/drawing/2014/main" id="{FDDE8B0A-0AE8-4EC9-B7E0-460FE9687D6B}"/>
+              </a:ext>
+            </a:extLst>
+          </p:cNvPr>
+          <p:cNvPicPr/>
+          <p:nvPr/>
         </p:nvPicPr>
         <p:blipFill>
-          <a:blip r:embed="rId2"/>
+          <a:blip r:embed="rId3"/>
           <a:stretch>
             <a:fillRect/>
           </a:stretch>
         </p:blipFill>
         <p:spPr>
           <a:xfrm>
-            <a:off x="838200" y="1690688"/>
-            <a:ext cx="5180306" cy="4524314"/>
+            <a:off x="1763061" y="6042234"/>
+            <a:ext cx="7597506" cy="608732"/>
           </a:xfrm>
           <a:prstGeom prst="rect">
             <a:avLst/>
           </a:prstGeom>
         </p:spPr>
       </p:pic>
-      <p:sp>
-        <p:nvSpPr>
-          <p:cNvPr id="5" name="TextBox 4">
-            <a:extLst>
-              <a:ext uri="{FF2B5EF4-FFF2-40B4-BE49-F238E27FC236}">
-                <a16:creationId xmlns:a16="http://schemas.microsoft.com/office/drawing/2014/main" id="{36D5685F-8BD2-4583-8324-D75237F99660}"/>
-              </a:ext>
-            </a:extLst>
-          </p:cNvPr>
-          <p:cNvSpPr txBox="1"/>
+      <p:pic>
+        <p:nvPicPr>
+          <p:cNvPr id="5" name="Picture 4">
+            <a:extLst>
+              <a:ext uri="{FF2B5EF4-FFF2-40B4-BE49-F238E27FC236}">
+                <a16:creationId xmlns:a16="http://schemas.microsoft.com/office/drawing/2014/main" id="{4329506F-6A60-4E7C-A257-B191692C55F8}"/>
+              </a:ext>
+            </a:extLst>
+          </p:cNvPr>
+          <p:cNvPicPr/>
           <p:nvPr/>
-        </p:nvSpPr>
+        </p:nvPicPr>
+        <p:blipFill>
+          <a:blip r:embed="rId4"/>
+          <a:stretch>
+            <a:fillRect/>
+          </a:stretch>
+        </p:blipFill>
         <p:spPr>
           <a:xfrm>
-            <a:off x="6665495" y="1690688"/>
-            <a:ext cx="4283242" cy="4524315"/>
+            <a:off x="1763061" y="5254516"/>
+            <a:ext cx="7597506" cy="339592"/>
           </a:xfrm>
           <a:prstGeom prst="rect">
             <a:avLst/>
           </a:prstGeom>
         </p:spPr>
+      </p:pic>
+      <p:pic>
+        <p:nvPicPr>
+          <p:cNvPr id="6" name="Picture 5">
+            <a:extLst>
+              <a:ext uri="{FF2B5EF4-FFF2-40B4-BE49-F238E27FC236}">
+                <a16:creationId xmlns:a16="http://schemas.microsoft.com/office/drawing/2014/main" id="{E5B931D7-2511-436B-820A-31AB9BA73AF5}"/>
+              </a:ext>
+            </a:extLst>
+          </p:cNvPr>
+          <p:cNvPicPr>
+            <a:picLocks noChangeAspect="1"/>
+          </p:cNvPicPr>
+          <p:nvPr/>
+        </p:nvPicPr>
+        <p:blipFill>
+          <a:blip r:embed="rId5"/>
+          <a:stretch>
+            <a:fillRect/>
+          </a:stretch>
+        </p:blipFill>
+        <p:spPr>
+          <a:xfrm>
+            <a:off x="1763060" y="4137375"/>
+            <a:ext cx="7597506" cy="712537"/>
+          </a:xfrm>
+          <a:prstGeom prst="rect">
+            <a:avLst/>
+          </a:prstGeom>
+        </p:spPr>
+      </p:pic>
+      <p:sp>
+        <p:nvSpPr>
+          <p:cNvPr id="7" name="Callout: Line 6">
+            <a:extLst>
+              <a:ext uri="{FF2B5EF4-FFF2-40B4-BE49-F238E27FC236}">
+                <a16:creationId xmlns:a16="http://schemas.microsoft.com/office/drawing/2014/main" id="{FC94914E-1F54-4CAF-89B2-9514A27BDC18}"/>
+              </a:ext>
+            </a:extLst>
+          </p:cNvPr>
+          <p:cNvSpPr/>
+          <p:nvPr/>
+        </p:nvSpPr>
+        <p:spPr>
+          <a:xfrm>
+            <a:off x="10160000" y="3860800"/>
+            <a:ext cx="1330960" cy="276575"/>
+          </a:xfrm>
+          <a:prstGeom prst="borderCallout1">
+            <a:avLst>
+              <a:gd name="adj1" fmla="val 18750"/>
+              <a:gd name="adj2" fmla="val -8333"/>
+              <a:gd name="adj3" fmla="val 116174"/>
+              <a:gd name="adj4" fmla="val -52073"/>
+            </a:avLst>
+          </a:prstGeom>
+          <a:solidFill>
+            <a:schemeClr val="bg1"/>
+          </a:solidFill>
+        </p:spPr>
         <p:style>
           <a:lnRef idx="2">
-            <a:schemeClr val="dk1"/>
+            <a:schemeClr val="accent1">
+              <a:shade val="50000"/>
+            </a:schemeClr>
           </a:lnRef>
           <a:fillRef idx="1">
-            <a:schemeClr val="lt1"/>
+            <a:schemeClr val="accent1"/>
           </a:fillRef>
           <a:effectRef idx="0">
-            <a:schemeClr val="dk1"/>
+            <a:schemeClr val="accent1"/>
           </a:effectRef>
           <a:fontRef idx="minor">
-            <a:schemeClr val="dk1"/>
+            <a:schemeClr val="lt1"/>
           </a:fontRef>
         </p:style>
         <p:txBody>
-          <a:bodyPr wrap="square" rtlCol="0">
-            <a:spAutoFit/>
-          </a:bodyPr>
-          <a:lstStyle/>
-          <a:p>
-            <a:pPr marL="342900" indent="-342900">
-              <a:buAutoNum type="arabicPeriod"/>
-            </a:pPr>
-            <a:r>
-              <a:rPr lang="en-US" dirty="0"/>
-              <a:t>First part of each line is the EXACT SET event name</a:t>
-            </a:r>
-          </a:p>
-          <a:p>
-            <a:pPr marL="342900" indent="-342900">
-              <a:buAutoNum type="arabicPeriod"/>
-            </a:pPr>
+          <a:bodyPr rtlCol="0" anchor="ctr"/>
+          <a:lstStyle/>
+          <a:p>
+            <a:pPr algn="ctr"/>
+            <a:r>
+              <a:rPr lang="en-US" dirty="0">
+                <a:ln w="0"/>
+                <a:solidFill>
+                  <a:schemeClr val="tx1"/>
+                </a:solidFill>
+                <a:effectLst>
+                  <a:outerShdw blurRad="38100" dist="19050" dir="2700000" algn="tl" rotWithShape="0">
+                    <a:schemeClr val="dk1">
+                      <a:alpha val="40000"/>
+                    </a:schemeClr>
+                  </a:outerShdw>
+                </a:effectLst>
+              </a:rPr>
+              <a:t>FE</a:t>
+            </a:r>
             <a:endParaRPr lang="en-US" dirty="0"/>
           </a:p>
-          <a:p>
-            <a:pPr marL="342900" indent="-342900">
-              <a:buAutoNum type="arabicPeriod"/>
-            </a:pPr>
-            <a:r>
-              <a:rPr lang="en-US" dirty="0"/>
-              <a:t>Delimited by “&amp;” because none of the SET events and parameters use “&amp;”</a:t>
-            </a:r>
-          </a:p>
-          <a:p>
-            <a:pPr marL="342900" indent="-342900">
-              <a:buAutoNum type="arabicPeriod"/>
-            </a:pPr>
+        </p:txBody>
+      </p:sp>
+      <p:sp>
+        <p:nvSpPr>
+          <p:cNvPr id="8" name="Callout: Line 7">
+            <a:extLst>
+              <a:ext uri="{FF2B5EF4-FFF2-40B4-BE49-F238E27FC236}">
+                <a16:creationId xmlns:a16="http://schemas.microsoft.com/office/drawing/2014/main" id="{FE807324-9424-44AA-988A-EAFAF2110391}"/>
+              </a:ext>
+            </a:extLst>
+          </p:cNvPr>
+          <p:cNvSpPr/>
+          <p:nvPr/>
+        </p:nvSpPr>
+        <p:spPr>
+          <a:xfrm>
+            <a:off x="10175240" y="4272312"/>
+            <a:ext cx="1330960" cy="276575"/>
+          </a:xfrm>
+          <a:prstGeom prst="borderCallout1">
+            <a:avLst>
+              <a:gd name="adj1" fmla="val 18750"/>
+              <a:gd name="adj2" fmla="val -8333"/>
+              <a:gd name="adj3" fmla="val 50051"/>
+              <a:gd name="adj4" fmla="val -52073"/>
+            </a:avLst>
+          </a:prstGeom>
+          <a:solidFill>
+            <a:schemeClr val="bg1"/>
+          </a:solidFill>
+        </p:spPr>
+        <p:style>
+          <a:lnRef idx="2">
+            <a:schemeClr val="accent1">
+              <a:shade val="50000"/>
+            </a:schemeClr>
+          </a:lnRef>
+          <a:fillRef idx="1">
+            <a:schemeClr val="accent1"/>
+          </a:fillRef>
+          <a:effectRef idx="0">
+            <a:schemeClr val="accent1"/>
+          </a:effectRef>
+          <a:fontRef idx="minor">
+            <a:schemeClr val="lt1"/>
+          </a:fontRef>
+        </p:style>
+        <p:txBody>
+          <a:bodyPr rtlCol="0" anchor="ctr"/>
+          <a:lstStyle/>
+          <a:p>
+            <a:pPr algn="ctr"/>
+            <a:r>
+              <a:rPr lang="en-US" dirty="0">
+                <a:ln w="0"/>
+                <a:solidFill>
+                  <a:schemeClr val="tx1"/>
+                </a:solidFill>
+                <a:effectLst>
+                  <a:outerShdw blurRad="38100" dist="19050" dir="2700000" algn="tl" rotWithShape="0">
+                    <a:schemeClr val="dk1">
+                      <a:alpha val="40000"/>
+                    </a:schemeClr>
+                  </a:outerShdw>
+                </a:effectLst>
+              </a:rPr>
+              <a:t>FTL</a:t>
+            </a:r>
             <a:endParaRPr lang="en-US" dirty="0"/>
           </a:p>
-          <a:p>
-            <a:pPr marL="342900" indent="-342900">
-              <a:buAutoNum type="arabicPeriod"/>
-            </a:pPr>
-            <a:r>
-              <a:rPr lang="en-US" dirty="0"/>
-              <a:t>Divided into sections to indicate to the program that there is specific logic that needs to be performed on each section</a:t>
-            </a:r>
-          </a:p>
-          <a:p>
-            <a:pPr marL="342900" indent="-342900">
-              <a:buAutoNum type="arabicPeriod"/>
-            </a:pPr>
+        </p:txBody>
+      </p:sp>
+      <p:sp>
+        <p:nvSpPr>
+          <p:cNvPr id="9" name="Callout: Line 8">
+            <a:extLst>
+              <a:ext uri="{FF2B5EF4-FFF2-40B4-BE49-F238E27FC236}">
+                <a16:creationId xmlns:a16="http://schemas.microsoft.com/office/drawing/2014/main" id="{42AE3F0E-348C-4CCB-858C-39036EB0CE9A}"/>
+              </a:ext>
+            </a:extLst>
+          </p:cNvPr>
+          <p:cNvSpPr/>
+          <p:nvPr/>
+        </p:nvSpPr>
+        <p:spPr>
+          <a:xfrm>
+            <a:off x="10160000" y="4711624"/>
+            <a:ext cx="1330960" cy="276575"/>
+          </a:xfrm>
+          <a:prstGeom prst="borderCallout1">
+            <a:avLst>
+              <a:gd name="adj1" fmla="val 18750"/>
+              <a:gd name="adj2" fmla="val -8333"/>
+              <a:gd name="adj3" fmla="val 20663"/>
+              <a:gd name="adj4" fmla="val -49783"/>
+            </a:avLst>
+          </a:prstGeom>
+          <a:solidFill>
+            <a:schemeClr val="bg1"/>
+          </a:solidFill>
+        </p:spPr>
+        <p:style>
+          <a:lnRef idx="2">
+            <a:schemeClr val="accent1">
+              <a:shade val="50000"/>
+            </a:schemeClr>
+          </a:lnRef>
+          <a:fillRef idx="1">
+            <a:schemeClr val="accent1"/>
+          </a:fillRef>
+          <a:effectRef idx="0">
+            <a:schemeClr val="accent1"/>
+          </a:effectRef>
+          <a:fontRef idx="minor">
+            <a:schemeClr val="lt1"/>
+          </a:fontRef>
+        </p:style>
+        <p:txBody>
+          <a:bodyPr rtlCol="0" anchor="ctr"/>
+          <a:lstStyle/>
+          <a:p>
+            <a:pPr algn="ctr"/>
+            <a:r>
+              <a:rPr lang="en-US" dirty="0">
+                <a:ln w="0"/>
+                <a:solidFill>
+                  <a:schemeClr val="tx1"/>
+                </a:solidFill>
+                <a:effectLst>
+                  <a:outerShdw blurRad="38100" dist="19050" dir="2700000" algn="tl" rotWithShape="0">
+                    <a:schemeClr val="dk1">
+                      <a:alpha val="40000"/>
+                    </a:schemeClr>
+                  </a:outerShdw>
+                </a:effectLst>
+              </a:rPr>
+              <a:t>PS</a:t>
+            </a:r>
             <a:endParaRPr lang="en-US" dirty="0"/>
           </a:p>
-          <a:p>
-            <a:pPr marL="342900" indent="-342900">
-              <a:buAutoNum type="arabicPeriod"/>
-            </a:pPr>
-            <a:r>
-              <a:rPr lang="en-US" dirty="0"/>
-              <a:t>Can be expanded through the Java file</a:t>
-            </a:r>
-          </a:p>
-          <a:p>
-            <a:pPr marL="342900" indent="-342900">
-              <a:buAutoNum type="arabicPeriod"/>
-            </a:pPr>
+        </p:txBody>
+      </p:sp>
+      <p:sp>
+        <p:nvSpPr>
+          <p:cNvPr id="11" name="Callout: Line 10">
+            <a:extLst>
+              <a:ext uri="{FF2B5EF4-FFF2-40B4-BE49-F238E27FC236}">
+                <a16:creationId xmlns:a16="http://schemas.microsoft.com/office/drawing/2014/main" id="{8164A572-B787-4EE2-8E69-179F8D6D73F6}"/>
+              </a:ext>
+            </a:extLst>
+          </p:cNvPr>
+          <p:cNvSpPr/>
+          <p:nvPr/>
+        </p:nvSpPr>
+        <p:spPr>
+          <a:xfrm>
+            <a:off x="10241280" y="6176963"/>
+            <a:ext cx="1666240" cy="474003"/>
+          </a:xfrm>
+          <a:prstGeom prst="borderCallout1">
+            <a:avLst>
+              <a:gd name="adj1" fmla="val 18750"/>
+              <a:gd name="adj2" fmla="val -8333"/>
+              <a:gd name="adj3" fmla="val 37811"/>
+              <a:gd name="adj4" fmla="val -44295"/>
+            </a:avLst>
+          </a:prstGeom>
+          <a:solidFill>
+            <a:schemeClr val="bg1"/>
+          </a:solidFill>
+        </p:spPr>
+        <p:style>
+          <a:lnRef idx="2">
+            <a:schemeClr val="accent1">
+              <a:shade val="50000"/>
+            </a:schemeClr>
+          </a:lnRef>
+          <a:fillRef idx="1">
+            <a:schemeClr val="accent1"/>
+          </a:fillRef>
+          <a:effectRef idx="0">
+            <a:schemeClr val="accent1"/>
+          </a:effectRef>
+          <a:fontRef idx="minor">
+            <a:schemeClr val="lt1"/>
+          </a:fontRef>
+        </p:style>
+        <p:txBody>
+          <a:bodyPr rtlCol="0" anchor="ctr"/>
+          <a:lstStyle/>
+          <a:p>
+            <a:pPr algn="ctr"/>
+            <a:r>
+              <a:rPr lang="en-US" dirty="0" err="1">
+                <a:ln w="0"/>
+                <a:solidFill>
+                  <a:schemeClr val="tx1"/>
+                </a:solidFill>
+                <a:effectLst>
+                  <a:outerShdw blurRad="38100" dist="19050" dir="2700000" algn="tl" rotWithShape="0">
+                    <a:schemeClr val="dk1">
+                      <a:alpha val="40000"/>
+                    </a:schemeClr>
+                  </a:outerShdw>
+                </a:effectLst>
+              </a:rPr>
+              <a:t>Cmdidx</a:t>
+            </a:r>
+            <a:r>
+              <a:rPr lang="en-US" dirty="0">
+                <a:ln w="0"/>
+                <a:solidFill>
+                  <a:schemeClr val="tx1"/>
+                </a:solidFill>
+                <a:effectLst>
+                  <a:outerShdw blurRad="38100" dist="19050" dir="2700000" algn="tl" rotWithShape="0">
+                    <a:schemeClr val="dk1">
+                      <a:alpha val="40000"/>
+                    </a:schemeClr>
+                  </a:outerShdw>
+                </a:effectLst>
+              </a:rPr>
+              <a:t> not linked to VBA</a:t>
+            </a:r>
             <a:endParaRPr lang="en-US" dirty="0"/>
           </a:p>
-          <a:p>
-            <a:endParaRPr lang="en-US" dirty="0"/>
-          </a:p>
-          <a:p>
-            <a:endParaRPr lang="en-US" dirty="0"/>
-          </a:p>
-          <a:p>
-            <a:endParaRPr lang="en-US" dirty="0"/>
-          </a:p>
-          <a:p>
+        </p:txBody>
+      </p:sp>
+      <p:sp>
+        <p:nvSpPr>
+          <p:cNvPr id="12" name="Callout: Line 11">
+            <a:extLst>
+              <a:ext uri="{FF2B5EF4-FFF2-40B4-BE49-F238E27FC236}">
+                <a16:creationId xmlns:a16="http://schemas.microsoft.com/office/drawing/2014/main" id="{BDF77C33-210E-427D-8756-3D1D4F149D12}"/>
+              </a:ext>
+            </a:extLst>
+          </p:cNvPr>
+          <p:cNvSpPr/>
+          <p:nvPr/>
+        </p:nvSpPr>
+        <p:spPr>
+          <a:xfrm>
+            <a:off x="10576560" y="5455820"/>
+            <a:ext cx="1503680" cy="276575"/>
+          </a:xfrm>
+          <a:prstGeom prst="borderCallout1">
+            <a:avLst>
+              <a:gd name="adj1" fmla="val 18750"/>
+              <a:gd name="adj2" fmla="val -8333"/>
+              <a:gd name="adj3" fmla="val -5051"/>
+              <a:gd name="adj4" fmla="val -80317"/>
+            </a:avLst>
+          </a:prstGeom>
+          <a:solidFill>
+            <a:schemeClr val="bg1"/>
+          </a:solidFill>
+        </p:spPr>
+        <p:style>
+          <a:lnRef idx="2">
+            <a:schemeClr val="accent1">
+              <a:shade val="50000"/>
+            </a:schemeClr>
+          </a:lnRef>
+          <a:fillRef idx="1">
+            <a:schemeClr val="accent1"/>
+          </a:fillRef>
+          <a:effectRef idx="0">
+            <a:schemeClr val="accent1"/>
+          </a:effectRef>
+          <a:fontRef idx="minor">
+            <a:schemeClr val="lt1"/>
+          </a:fontRef>
+        </p:style>
+        <p:txBody>
+          <a:bodyPr rtlCol="0" anchor="ctr"/>
+          <a:lstStyle/>
+          <a:p>
+            <a:pPr algn="ctr"/>
+            <a:r>
+              <a:rPr lang="en-US" dirty="0">
+                <a:ln w="0"/>
+                <a:solidFill>
+                  <a:schemeClr val="tx1"/>
+                </a:solidFill>
+                <a:effectLst>
+                  <a:outerShdw blurRad="38100" dist="19050" dir="2700000" algn="tl" rotWithShape="0">
+                    <a:schemeClr val="dk1">
+                      <a:alpha val="40000"/>
+                    </a:schemeClr>
+                  </a:outerShdw>
+                </a:effectLst>
+              </a:rPr>
+              <a:t>Flow suspend</a:t>
+            </a:r>
             <a:endParaRPr lang="en-US" dirty="0"/>
           </a:p>
         </p:txBody>
@@ -4553,7 +7408,7 @@
     </p:spTree>
     <p:extLst>
       <p:ext uri="{BB962C8B-B14F-4D97-AF65-F5344CB8AC3E}">
-        <p14:creationId xmlns:p14="http://schemas.microsoft.com/office/powerpoint/2010/main" val="163620507"/>
+        <p14:creationId xmlns:p14="http://schemas.microsoft.com/office/powerpoint/2010/main" val="3256367580"/>
       </p:ext>
     </p:extLst>
   </p:cSld>
@@ -4585,7 +7440,7 @@
           <p:cNvPr id="2" name="Title 1">
             <a:extLst>
               <a:ext uri="{FF2B5EF4-FFF2-40B4-BE49-F238E27FC236}">
-                <a16:creationId xmlns:a16="http://schemas.microsoft.com/office/drawing/2014/main" id="{4147AE88-6910-4ED7-B8E2-E66FF0CE1521}"/>
+                <a16:creationId xmlns:a16="http://schemas.microsoft.com/office/drawing/2014/main" id="{26A4F904-A13B-4299-9288-D9DAAF4C276A}"/>
               </a:ext>
             </a:extLst>
           </p:cNvPr>
@@ -4603,26 +7458,78 @@
           <a:p>
             <a:r>
               <a:rPr lang="en-US" dirty="0"/>
-              <a:t>Java Plugin Code Tutorial</a:t>
+              <a:t>Limitations</a:t>
+            </a:r>
+          </a:p>
+        </p:txBody>
+      </p:sp>
+      <p:sp>
+        <p:nvSpPr>
+          <p:cNvPr id="3" name="Content Placeholder 2">
+            <a:extLst>
+              <a:ext uri="{FF2B5EF4-FFF2-40B4-BE49-F238E27FC236}">
+                <a16:creationId xmlns:a16="http://schemas.microsoft.com/office/drawing/2014/main" id="{5B0C4854-940C-4798-903A-72A834FF0DEF}"/>
+              </a:ext>
+            </a:extLst>
+          </p:cNvPr>
+          <p:cNvSpPr>
+            <a:spLocks noGrp="1"/>
+          </p:cNvSpPr>
+          <p:nvPr>
+            <p:ph idx="1"/>
+          </p:nvPr>
+        </p:nvSpPr>
+        <p:spPr/>
+        <p:txBody>
+          <a:bodyPr>
+            <a:normAutofit/>
+          </a:bodyPr>
+          <a:lstStyle/>
+          <a:p>
+            <a:r>
+              <a:rPr lang="en-US" dirty="0"/>
+              <a:t>What SET events actually exist</a:t>
+            </a:r>
+          </a:p>
+          <a:p>
+            <a:r>
+              <a:rPr lang="en-US" dirty="0"/>
+              <a:t>Data loss from informer</a:t>
+            </a:r>
+          </a:p>
+          <a:p>
+            <a:endParaRPr lang="en-US" dirty="0"/>
+          </a:p>
+          <a:p>
+            <a:pPr marL="0" indent="0">
+              <a:buNone/>
+            </a:pPr>
+            <a:r>
+              <a:rPr lang="en-US" dirty="0"/>
+              <a:t>Considerations/Difficulties:</a:t>
+            </a:r>
+          </a:p>
+          <a:p>
+            <a:r>
+              <a:rPr lang="en-US" dirty="0"/>
+              <a:t>SET events don’t have a universal syntax structure</a:t>
             </a:r>
           </a:p>
         </p:txBody>
       </p:sp>
       <p:pic>
         <p:nvPicPr>
-          <p:cNvPr id="4" name="Content Placeholder 3">
-            <a:extLst>
-              <a:ext uri="{FF2B5EF4-FFF2-40B4-BE49-F238E27FC236}">
-                <a16:creationId xmlns:a16="http://schemas.microsoft.com/office/drawing/2014/main" id="{A9093991-C161-4AD6-9581-B7E6CE51B16A}"/>
+          <p:cNvPr id="9" name="Picture 8">
+            <a:extLst>
+              <a:ext uri="{FF2B5EF4-FFF2-40B4-BE49-F238E27FC236}">
+                <a16:creationId xmlns:a16="http://schemas.microsoft.com/office/drawing/2014/main" id="{B5CE05D2-77D3-4F60-A77F-F115614FBC6D}"/>
               </a:ext>
             </a:extLst>
           </p:cNvPr>
           <p:cNvPicPr>
-            <a:picLocks noGrp="1" noChangeAspect="1"/>
+            <a:picLocks noChangeAspect="1"/>
           </p:cNvPicPr>
-          <p:nvPr>
-            <p:ph idx="1"/>
-          </p:nvPr>
+          <p:nvPr/>
         </p:nvPicPr>
         <p:blipFill>
           <a:blip r:embed="rId2"/>
@@ -4632,145 +7539,18 @@
         </p:blipFill>
         <p:spPr>
           <a:xfrm>
-            <a:off x="838200" y="1690688"/>
-            <a:ext cx="5129463" cy="4524315"/>
+            <a:off x="1251192" y="2827075"/>
+            <a:ext cx="9001125" cy="257175"/>
           </a:xfrm>
           <a:prstGeom prst="rect">
             <a:avLst/>
           </a:prstGeom>
         </p:spPr>
       </p:pic>
-      <p:sp>
-        <p:nvSpPr>
-          <p:cNvPr id="5" name="TextBox 4">
-            <a:extLst>
-              <a:ext uri="{FF2B5EF4-FFF2-40B4-BE49-F238E27FC236}">
-                <a16:creationId xmlns:a16="http://schemas.microsoft.com/office/drawing/2014/main" id="{138B3752-E28F-4439-9585-8EB17BCE59AD}"/>
-              </a:ext>
-            </a:extLst>
-          </p:cNvPr>
-          <p:cNvSpPr txBox="1"/>
-          <p:nvPr/>
-        </p:nvSpPr>
-        <p:spPr>
-          <a:xfrm>
-            <a:off x="6665495" y="1690688"/>
-            <a:ext cx="4283242" cy="4524315"/>
-          </a:xfrm>
-          <a:prstGeom prst="rect">
-            <a:avLst/>
-          </a:prstGeom>
-        </p:spPr>
-        <p:style>
-          <a:lnRef idx="2">
-            <a:schemeClr val="dk1"/>
-          </a:lnRef>
-          <a:fillRef idx="1">
-            <a:schemeClr val="lt1"/>
-          </a:fillRef>
-          <a:effectRef idx="0">
-            <a:schemeClr val="dk1"/>
-          </a:effectRef>
-          <a:fontRef idx="minor">
-            <a:schemeClr val="dk1"/>
-          </a:fontRef>
-        </p:style>
-        <p:txBody>
-          <a:bodyPr wrap="square" rtlCol="0">
-            <a:spAutoFit/>
-          </a:bodyPr>
-          <a:lstStyle/>
-          <a:p>
-            <a:pPr marL="342900" indent="-342900">
-              <a:buAutoNum type="arabicPeriod"/>
-            </a:pPr>
-            <a:r>
-              <a:rPr lang="en-US" dirty="0" err="1"/>
-              <a:t>Init</a:t>
-            </a:r>
-            <a:endParaRPr lang="en-US" dirty="0"/>
-          </a:p>
-          <a:p>
-            <a:pPr marL="800100" lvl="1" indent="-342900">
-              <a:buFont typeface="Arial" panose="020B0604020202020204" pitchFamily="34" charset="0"/>
-              <a:buChar char="•"/>
-            </a:pPr>
-            <a:r>
-              <a:rPr lang="en-US" dirty="0"/>
-              <a:t>Logic performed before the RWR files are read</a:t>
-            </a:r>
-          </a:p>
-          <a:p>
-            <a:pPr marL="342900" indent="-342900">
-              <a:buAutoNum type="arabicPeriod"/>
-            </a:pPr>
-            <a:endParaRPr lang="en-US" dirty="0"/>
-          </a:p>
-          <a:p>
-            <a:pPr marL="342900" indent="-342900">
-              <a:buAutoNum type="arabicPeriod"/>
-            </a:pPr>
-            <a:r>
-              <a:rPr lang="en-US" dirty="0"/>
-              <a:t>Execute</a:t>
-            </a:r>
-          </a:p>
-          <a:p>
-            <a:pPr marL="800100" lvl="1" indent="-342900">
-              <a:buFont typeface="Arial" panose="020B0604020202020204" pitchFamily="34" charset="0"/>
-              <a:buChar char="•"/>
-            </a:pPr>
-            <a:r>
-              <a:rPr lang="en-US" dirty="0"/>
-              <a:t>The logic here will execute on every SET event read in</a:t>
-            </a:r>
-          </a:p>
-          <a:p>
-            <a:pPr marL="342900" indent="-342900">
-              <a:buAutoNum type="arabicPeriod"/>
-            </a:pPr>
-            <a:endParaRPr lang="en-US" dirty="0"/>
-          </a:p>
-          <a:p>
-            <a:pPr marL="342900" indent="-342900">
-              <a:buAutoNum type="arabicPeriod"/>
-            </a:pPr>
-            <a:r>
-              <a:rPr lang="en-US" dirty="0"/>
-              <a:t>Destroy</a:t>
-            </a:r>
-          </a:p>
-          <a:p>
-            <a:pPr marL="800100" lvl="1" indent="-342900">
-              <a:buFont typeface="Arial" panose="020B0604020202020204" pitchFamily="34" charset="0"/>
-              <a:buChar char="•"/>
-            </a:pPr>
-            <a:r>
-              <a:rPr lang="en-US" dirty="0"/>
-              <a:t>Logic here will execute after all the RWR files are read</a:t>
-            </a:r>
-          </a:p>
-          <a:p>
-            <a:endParaRPr lang="en-US" dirty="0"/>
-          </a:p>
-          <a:p>
-            <a:r>
-              <a:rPr lang="en-US" dirty="0"/>
-              <a:t>Like any Java Class, helper functions and methods can be added to help with logic</a:t>
-            </a:r>
-          </a:p>
-          <a:p>
-            <a:endParaRPr lang="en-US" dirty="0"/>
-          </a:p>
-          <a:p>
-            <a:endParaRPr lang="en-US" dirty="0"/>
-          </a:p>
-        </p:txBody>
-      </p:sp>
     </p:spTree>
     <p:extLst>
       <p:ext uri="{BB962C8B-B14F-4D97-AF65-F5344CB8AC3E}">
-        <p14:creationId xmlns:p14="http://schemas.microsoft.com/office/powerpoint/2010/main" val="3368329750"/>
+        <p14:creationId xmlns:p14="http://schemas.microsoft.com/office/powerpoint/2010/main" val="408693320"/>
       </p:ext>
     </p:extLst>
   </p:cSld>
@@ -4802,7 +7582,7 @@
           <p:cNvPr id="2" name="Title 1">
             <a:extLst>
               <a:ext uri="{FF2B5EF4-FFF2-40B4-BE49-F238E27FC236}">
-                <a16:creationId xmlns:a16="http://schemas.microsoft.com/office/drawing/2014/main" id="{BF1B177E-AC5C-4E2F-B944-BDF2CAF04C8A}"/>
+                <a16:creationId xmlns:a16="http://schemas.microsoft.com/office/drawing/2014/main" id="{8C3CC8BC-D1A4-4559-A87F-5C9DE23FE40E}"/>
               </a:ext>
             </a:extLst>
           </p:cNvPr>
@@ -4819,189 +7599,47 @@
           <a:lstStyle/>
           <a:p>
             <a:r>
-              <a:rPr lang="en-US" dirty="0" err="1"/>
-              <a:t>xPlorer</a:t>
-            </a:r>
-            <a:r>
-              <a:rPr lang="en-US" dirty="0"/>
-              <a:t> CLI tutorial</a:t>
-            </a:r>
-          </a:p>
-        </p:txBody>
-      </p:sp>
-      <p:sp>
-        <p:nvSpPr>
-          <p:cNvPr id="3" name="Content Placeholder 2">
-            <a:extLst>
-              <a:ext uri="{FF2B5EF4-FFF2-40B4-BE49-F238E27FC236}">
-                <a16:creationId xmlns:a16="http://schemas.microsoft.com/office/drawing/2014/main" id="{8330382F-11FD-43A7-ADF4-E9A3EA2283FE}"/>
-              </a:ext>
-            </a:extLst>
-          </p:cNvPr>
-          <p:cNvSpPr>
-            <a:spLocks noGrp="1"/>
-          </p:cNvSpPr>
+              <a:rPr lang="en-US" dirty="0"/>
+              <a:t>Script logic: QOS</a:t>
+            </a:r>
+          </a:p>
+        </p:txBody>
+      </p:sp>
+      <p:pic>
+        <p:nvPicPr>
+          <p:cNvPr id="4" name="Content Placeholder 3">
+            <a:extLst>
+              <a:ext uri="{FF2B5EF4-FFF2-40B4-BE49-F238E27FC236}">
+                <a16:creationId xmlns:a16="http://schemas.microsoft.com/office/drawing/2014/main" id="{E1012644-261F-4382-ACEA-C717E3985FDF}"/>
+              </a:ext>
+            </a:extLst>
+          </p:cNvPr>
+          <p:cNvPicPr>
+            <a:picLocks noGrp="1"/>
+          </p:cNvPicPr>
           <p:nvPr>
             <p:ph idx="1"/>
           </p:nvPr>
-        </p:nvSpPr>
+        </p:nvPicPr>
+        <p:blipFill rotWithShape="1">
+          <a:blip r:embed="rId3"/>
+          <a:srcRect b="10893"/>
+          <a:stretch/>
+        </p:blipFill>
         <p:spPr>
           <a:xfrm>
-            <a:off x="838200" y="1825624"/>
-            <a:ext cx="10515600" cy="5032375"/>
+            <a:off x="1333196" y="1440613"/>
+            <a:ext cx="9525607" cy="5273008"/>
           </a:xfrm>
+          <a:prstGeom prst="rect">
+            <a:avLst/>
+          </a:prstGeom>
         </p:spPr>
-        <p:txBody>
-          <a:bodyPr>
-            <a:normAutofit fontScale="92500" lnSpcReduction="20000"/>
-          </a:bodyPr>
-          <a:lstStyle/>
-          <a:p>
-            <a:pPr marL="0" indent="0">
-              <a:buNone/>
-            </a:pPr>
-            <a:r>
-              <a:rPr lang="en-US" u="sng" dirty="0"/>
-              <a:t>Running Session Live</a:t>
-            </a:r>
-          </a:p>
-          <a:p>
-            <a:r>
-              <a:rPr lang="en-US" b="1" dirty="0"/>
-              <a:t>File Path to CMD: </a:t>
-            </a:r>
-            <a:r>
-              <a:rPr lang="en-US" dirty="0"/>
-              <a:t>C:\xTools\app\xplorer\ </a:t>
-            </a:r>
-          </a:p>
-          <a:p>
-            <a:r>
-              <a:rPr lang="en-US" b="1" dirty="0"/>
-              <a:t>START: </a:t>
-            </a:r>
-            <a:r>
-              <a:rPr lang="en-US" dirty="0"/>
-              <a:t>xplorer-cli.bat session create --session-configuration-file=&lt;path to </a:t>
-            </a:r>
-            <a:r>
-              <a:rPr lang="en-US" dirty="0" err="1"/>
-              <a:t>json</a:t>
-            </a:r>
-            <a:r>
-              <a:rPr lang="en-US" dirty="0"/>
-              <a:t> configuration file&gt; --start=true (*need JSON configuration file)</a:t>
-            </a:r>
-          </a:p>
-          <a:p>
-            <a:r>
-              <a:rPr lang="en-US" b="1" dirty="0"/>
-              <a:t>STOP: </a:t>
-            </a:r>
-            <a:r>
-              <a:rPr lang="en-US" dirty="0"/>
-              <a:t>xplorer-cli.bat session stop --session-id=&lt;session-id&gt;</a:t>
-            </a:r>
-          </a:p>
-          <a:p>
-            <a:endParaRPr lang="en-US" dirty="0"/>
-          </a:p>
-          <a:p>
-            <a:pPr marL="0" indent="0">
-              <a:buNone/>
-            </a:pPr>
-            <a:r>
-              <a:rPr lang="en-US" u="sng" dirty="0"/>
-              <a:t>Already have RWR files from GUI</a:t>
-            </a:r>
-          </a:p>
-          <a:p>
-            <a:r>
-              <a:rPr lang="en-US" b="1" dirty="0"/>
-              <a:t>File Path to CMD: </a:t>
-            </a:r>
-            <a:r>
-              <a:rPr lang="en-US" dirty="0"/>
-              <a:t>C:\xTools\app\xrwrdecoder\ </a:t>
-            </a:r>
-          </a:p>
-          <a:p>
-            <a:r>
-              <a:rPr lang="en-US" b="1" dirty="0"/>
-              <a:t>START:</a:t>
-            </a:r>
-            <a:r>
-              <a:rPr lang="en-US" dirty="0"/>
-              <a:t> xrwrdecoder-cli.bat process decode </a:t>
-            </a:r>
-          </a:p>
-          <a:p>
-            <a:pPr marL="457200" lvl="1" indent="0">
-              <a:buNone/>
-            </a:pPr>
-            <a:r>
-              <a:rPr lang="en-US" dirty="0"/>
-              <a:t>--product=&lt;product name&gt; --run-mode=READ </a:t>
-            </a:r>
-          </a:p>
-          <a:p>
-            <a:pPr marL="457200" lvl="1" indent="0">
-              <a:buNone/>
-            </a:pPr>
-            <a:r>
-              <a:rPr lang="en-US" dirty="0"/>
-              <a:t>--</a:t>
-            </a:r>
-            <a:r>
-              <a:rPr lang="en-US" dirty="0" err="1"/>
-              <a:t>rwr</a:t>
-            </a:r>
-            <a:r>
-              <a:rPr lang="en-US" dirty="0"/>
-              <a:t>-path&lt;path where RWR files are&gt; --</a:t>
-            </a:r>
-            <a:r>
-              <a:rPr lang="en-US" dirty="0" err="1"/>
-              <a:t>dco</a:t>
-            </a:r>
-            <a:r>
-              <a:rPr lang="en-US" dirty="0"/>
-              <a:t>-path=C:\RWR\SetDictionary.dco</a:t>
-            </a:r>
-          </a:p>
-          <a:p>
-            <a:pPr marL="457200" lvl="1" indent="0">
-              <a:buNone/>
-            </a:pPr>
-            <a:r>
-              <a:rPr lang="en-US" dirty="0"/>
-              <a:t>--output-type=NONE </a:t>
-            </a:r>
-          </a:p>
-          <a:p>
-            <a:pPr marL="457200" lvl="1" indent="0">
-              <a:buNone/>
-            </a:pPr>
-            <a:r>
-              <a:rPr lang="en-US" dirty="0"/>
-              <a:t>--plugin-classes=&lt;name of plugin class&gt; --plugin-source-directory=&lt;folder of plugin&gt;</a:t>
-            </a:r>
-          </a:p>
-          <a:p>
-            <a:endParaRPr lang="en-US" dirty="0"/>
-          </a:p>
-          <a:p>
-            <a:pPr marL="0" indent="0">
-              <a:buNone/>
-            </a:pPr>
-            <a:endParaRPr lang="en-US" dirty="0"/>
-          </a:p>
-        </p:txBody>
-      </p:sp>
+      </p:pic>
     </p:spTree>
     <p:extLst>
       <p:ext uri="{BB962C8B-B14F-4D97-AF65-F5344CB8AC3E}">
-        <p14:creationId xmlns:p14="http://schemas.microsoft.com/office/powerpoint/2010/main" val="3614177277"/>
+        <p14:creationId xmlns:p14="http://schemas.microsoft.com/office/powerpoint/2010/main" val="3068486742"/>
       </p:ext>
     </p:extLst>
   </p:cSld>
@@ -5033,7 +7671,7 @@
           <p:cNvPr id="2" name="Title 1">
             <a:extLst>
               <a:ext uri="{FF2B5EF4-FFF2-40B4-BE49-F238E27FC236}">
-                <a16:creationId xmlns:a16="http://schemas.microsoft.com/office/drawing/2014/main" id="{FE185D9C-A4D7-4E34-81B2-66C68D21E510}"/>
+                <a16:creationId xmlns:a16="http://schemas.microsoft.com/office/drawing/2014/main" id="{219C53B5-2B0A-4FF0-8939-46C48D163818}"/>
               </a:ext>
             </a:extLst>
           </p:cNvPr>
@@ -5051,7 +7689,7 @@
           <a:p>
             <a:r>
               <a:rPr lang="en-US" dirty="0"/>
-              <a:t>Small live run during the presentation</a:t>
+              <a:t>Script logic: Counter</a:t>
             </a:r>
           </a:p>
         </p:txBody>
@@ -5061,7 +7699,7 @@
           <p:cNvPr id="3" name="Content Placeholder 2">
             <a:extLst>
               <a:ext uri="{FF2B5EF4-FFF2-40B4-BE49-F238E27FC236}">
-                <a16:creationId xmlns:a16="http://schemas.microsoft.com/office/drawing/2014/main" id="{EAE4F3DA-0165-427F-A2CF-A24BE1B1698D}"/>
+                <a16:creationId xmlns:a16="http://schemas.microsoft.com/office/drawing/2014/main" id="{CDC4416C-2517-4C67-924D-5BB5966BC162}"/>
               </a:ext>
             </a:extLst>
           </p:cNvPr>
@@ -5072,45 +7710,14 @@
             <p:ph idx="1"/>
           </p:nvPr>
         </p:nvSpPr>
-        <p:spPr>
-          <a:xfrm>
-            <a:off x="838200" y="1825624"/>
-            <a:ext cx="10515600" cy="5032375"/>
-          </a:xfrm>
-        </p:spPr>
-        <p:txBody>
-          <a:bodyPr>
-            <a:normAutofit fontScale="85000" lnSpcReduction="20000"/>
-          </a:bodyPr>
-          <a:lstStyle/>
-          <a:p>
-            <a:r>
-              <a:rPr lang="en-US" dirty="0"/>
-              <a:t>Only using One 100Mb RWR file</a:t>
-            </a:r>
-          </a:p>
-          <a:p>
-            <a:r>
-              <a:rPr lang="en-US" dirty="0"/>
-              <a:t>Running </a:t>
-            </a:r>
-            <a:r>
-              <a:rPr lang="en-US" i="1" dirty="0"/>
-              <a:t>event counter </a:t>
-            </a:r>
-            <a:r>
-              <a:rPr lang="en-US" dirty="0"/>
-              <a:t>and </a:t>
-            </a:r>
-            <a:r>
-              <a:rPr lang="en-US" i="1" dirty="0"/>
-              <a:t>time delta of command </a:t>
-            </a:r>
-          </a:p>
-          <a:p>
-            <a:r>
-              <a:rPr lang="en-US" dirty="0"/>
-              <a:t>Showing how to use plugin on previous RWR files</a:t>
+        <p:spPr/>
+        <p:txBody>
+          <a:bodyPr/>
+          <a:lstStyle/>
+          <a:p>
+            <a:r>
+              <a:rPr lang="en-US" dirty="0"/>
+              <a:t>Checking how many times an event occurs within one command</a:t>
             </a:r>
           </a:p>
           <a:p>
@@ -5119,55 +7726,23 @@
           <a:p>
             <a:r>
               <a:rPr lang="en-US" dirty="0"/>
-              <a:t>Could do a 60 second test live test too?</a:t>
-            </a:r>
-          </a:p>
-          <a:p>
-            <a:pPr marL="0" indent="0">
-              <a:buNone/>
-            </a:pPr>
-            <a:r>
-              <a:rPr lang="en-US" dirty="0"/>
-              <a:t>diskspd64.exe  -w0 -b128K -o32 -t1 -S -L -W5 -d60 S:\SLC.bin  1&gt;C:\Diskspd_Log\SLC_128KiB_SeqRead_QD32.log</a:t>
-            </a:r>
-          </a:p>
-          <a:p>
-            <a:pPr marL="0" indent="0">
-              <a:buNone/>
-            </a:pPr>
+              <a:t>Map of event name to integer </a:t>
+            </a:r>
+          </a:p>
+          <a:p>
             <a:endParaRPr lang="en-US" dirty="0"/>
           </a:p>
           <a:p>
-            <a:pPr marL="0" indent="0">
-              <a:buNone/>
-            </a:pPr>
-            <a:r>
-              <a:rPr lang="en-US" dirty="0"/>
-              <a:t>xplorer-cli.bat session create --session-configuration-file=C:\xTools\informer_json_2.9.5.json --start=true</a:t>
-            </a:r>
-          </a:p>
-          <a:p>
-            <a:pPr marL="0" indent="0">
-              <a:buNone/>
-            </a:pPr>
-            <a:endParaRPr lang="en-US" dirty="0"/>
-          </a:p>
-          <a:p>
-            <a:pPr marL="0" indent="0">
-              <a:buNone/>
-            </a:pPr>
-            <a:r>
-              <a:rPr lang="en-US" dirty="0"/>
-              <a:t>xplorer-cli.bat session stop --session-id=&lt;session-id&gt;</a:t>
-            </a:r>
-          </a:p>
-          <a:p>
-            <a:pPr marL="0" indent="0">
-              <a:buNone/>
-            </a:pPr>
-            <a:r>
-              <a:rPr lang="en-US" dirty="0"/>
-              <a:t>- Session id can be found in the value section when the session gets created (displayed in the console window)</a:t>
+            <a:r>
+              <a:rPr lang="en-US" dirty="0"/>
+              <a:t>If an event name is encountered with the same hex value, increase counter</a:t>
+            </a:r>
+          </a:p>
+          <a:p>
+            <a:pPr lvl="1"/>
+            <a:r>
+              <a:rPr lang="en-US" dirty="0"/>
+              <a:t>If new hex value is found add a new entry into map with counter at 1</a:t>
             </a:r>
           </a:p>
         </p:txBody>
@@ -5175,7 +7750,7 @@
     </p:spTree>
     <p:extLst>
       <p:ext uri="{BB962C8B-B14F-4D97-AF65-F5344CB8AC3E}">
-        <p14:creationId xmlns:p14="http://schemas.microsoft.com/office/powerpoint/2010/main" val="4025475838"/>
+        <p14:creationId xmlns:p14="http://schemas.microsoft.com/office/powerpoint/2010/main" val="1589356859"/>
       </p:ext>
     </p:extLst>
   </p:cSld>
@@ -5207,7 +7782,7 @@
           <p:cNvPr id="2" name="Title 1">
             <a:extLst>
               <a:ext uri="{FF2B5EF4-FFF2-40B4-BE49-F238E27FC236}">
-                <a16:creationId xmlns:a16="http://schemas.microsoft.com/office/drawing/2014/main" id="{736A5061-9D1D-4F32-86D6-93E3BA2342F6}"/>
+                <a16:creationId xmlns:a16="http://schemas.microsoft.com/office/drawing/2014/main" id="{A386740E-6EC9-4FDE-98AE-AD1811C3BC20}"/>
               </a:ext>
             </a:extLst>
           </p:cNvPr>
@@ -5225,7 +7800,7 @@
           <a:p>
             <a:r>
               <a:rPr lang="en-US" dirty="0"/>
-              <a:t>Recommendation from Israel</a:t>
+              <a:t>Script: Sequential</a:t>
             </a:r>
           </a:p>
         </p:txBody>
@@ -5235,7 +7810,7 @@
           <p:cNvPr id="3" name="Content Placeholder 2">
             <a:extLst>
               <a:ext uri="{FF2B5EF4-FFF2-40B4-BE49-F238E27FC236}">
-                <a16:creationId xmlns:a16="http://schemas.microsoft.com/office/drawing/2014/main" id="{8D696AFA-ED5D-4473-BFDE-9324D1C93479}"/>
+                <a16:creationId xmlns:a16="http://schemas.microsoft.com/office/drawing/2014/main" id="{7CE1BB04-274B-48F2-8915-2E98D0189AC3}"/>
               </a:ext>
             </a:extLst>
           </p:cNvPr>
@@ -5253,42 +7828,45 @@
           <a:p>
             <a:r>
               <a:rPr lang="en-US" dirty="0"/>
-              <a:t>Make sure your plugin output is </a:t>
-            </a:r>
-            <a:r>
-              <a:rPr lang="en-US" b="1" dirty="0"/>
-              <a:t>written to a file and not to the console.</a:t>
-            </a:r>
-            <a:r>
-              <a:rPr lang="en-US" dirty="0"/>
-              <a:t> (in the destroy method) </a:t>
-            </a:r>
-          </a:p>
-          <a:p>
-            <a:r>
-              <a:rPr lang="en-US" dirty="0"/>
-              <a:t>It is recommended to use "policy": "ON_STOP" in execute command in order to avoid collision of data.  </a:t>
-            </a:r>
-          </a:p>
-          <a:p>
-            <a:pPr lvl="1">
-              <a:buFont typeface="Courier New" panose="02070309020205020404" pitchFamily="49" charset="0"/>
-              <a:buChar char="o"/>
-            </a:pPr>
-            <a:r>
-              <a:rPr lang="en-US" dirty="0"/>
-              <a:t>In the JSON file</a:t>
+              <a:t>Certain events while they are related don’t have parameters that the script can use to link them</a:t>
             </a:r>
           </a:p>
           <a:p>
             <a:endParaRPr lang="en-US" dirty="0"/>
+          </a:p>
+          <a:p>
+            <a:r>
+              <a:rPr lang="en-US" dirty="0"/>
+              <a:t>The sequential logic follows a simple pattern that the follower events related to the leader occur before a new leader event is seen</a:t>
+            </a:r>
+          </a:p>
+          <a:p>
+            <a:endParaRPr lang="en-US" dirty="0"/>
+          </a:p>
+          <a:p>
+            <a:r>
+              <a:rPr lang="en-US" dirty="0"/>
+              <a:t>Leaders are mapped to a group of related SET events</a:t>
+            </a:r>
+          </a:p>
+          <a:p>
+            <a:r>
+              <a:rPr lang="en-US" dirty="0"/>
+              <a:t>Followers are mapped to leaders (then to the group)</a:t>
+            </a:r>
+          </a:p>
+          <a:p>
+            <a:r>
+              <a:rPr lang="en-US" dirty="0"/>
+              <a:t>Leader updates when a new leader event is met. (using hex value)</a:t>
+            </a:r>
           </a:p>
         </p:txBody>
       </p:sp>
     </p:spTree>
     <p:extLst>
       <p:ext uri="{BB962C8B-B14F-4D97-AF65-F5344CB8AC3E}">
-        <p14:creationId xmlns:p14="http://schemas.microsoft.com/office/powerpoint/2010/main" val="1327847038"/>
+        <p14:creationId xmlns:p14="http://schemas.microsoft.com/office/powerpoint/2010/main" val="862006462"/>
       </p:ext>
     </p:extLst>
   </p:cSld>
@@ -5320,7 +7898,7 @@
           <p:cNvPr id="2" name="Title 1">
             <a:extLst>
               <a:ext uri="{FF2B5EF4-FFF2-40B4-BE49-F238E27FC236}">
-                <a16:creationId xmlns:a16="http://schemas.microsoft.com/office/drawing/2014/main" id="{1F665630-E72E-4CC6-A7A7-677D08754D58}"/>
+                <a16:creationId xmlns:a16="http://schemas.microsoft.com/office/drawing/2014/main" id="{ACCF1754-7834-4A73-AAD4-457B7B43910A}"/>
               </a:ext>
             </a:extLst>
           </p:cNvPr>
@@ -5338,17 +7916,17 @@
           <a:p>
             <a:r>
               <a:rPr lang="en-US" dirty="0"/>
-              <a:t>Output</a:t>
+              <a:t>James’ SET events</a:t>
             </a:r>
           </a:p>
         </p:txBody>
       </p:sp>
       <p:pic>
         <p:nvPicPr>
-          <p:cNvPr id="4" name="Picture 3">
-            <a:extLst>
-              <a:ext uri="{FF2B5EF4-FFF2-40B4-BE49-F238E27FC236}">
-                <a16:creationId xmlns:a16="http://schemas.microsoft.com/office/drawing/2014/main" id="{4B134930-33BB-48A0-863A-3E6B0AC0E512}"/>
+          <p:cNvPr id="6" name="Picture 5">
+            <a:extLst>
+              <a:ext uri="{FF2B5EF4-FFF2-40B4-BE49-F238E27FC236}">
+                <a16:creationId xmlns:a16="http://schemas.microsoft.com/office/drawing/2014/main" id="{0C4AF856-57EC-43A5-AA1C-1FC5C993D024}"/>
               </a:ext>
             </a:extLst>
           </p:cNvPr>
@@ -5358,15 +7936,21 @@
           <p:nvPr/>
         </p:nvPicPr>
         <p:blipFill>
-          <a:blip r:embed="rId2"/>
+          <a:blip r:embed="rId2">
+            <a:extLst>
+              <a:ext uri="{28A0092B-C50C-407E-A947-70E740481C1C}">
+                <a14:useLocalDpi xmlns:a14="http://schemas.microsoft.com/office/drawing/2010/main" val="0"/>
+              </a:ext>
+            </a:extLst>
+          </a:blip>
           <a:stretch>
             <a:fillRect/>
           </a:stretch>
         </p:blipFill>
         <p:spPr>
           <a:xfrm>
-            <a:off x="2886896" y="1690688"/>
-            <a:ext cx="6267615" cy="4746420"/>
+            <a:off x="2187209" y="1472086"/>
+            <a:ext cx="7817582" cy="4877913"/>
           </a:xfrm>
           <a:prstGeom prst="rect">
             <a:avLst/>
@@ -5376,7 +7960,7 @@
     </p:spTree>
     <p:extLst>
       <p:ext uri="{BB962C8B-B14F-4D97-AF65-F5344CB8AC3E}">
-        <p14:creationId xmlns:p14="http://schemas.microsoft.com/office/powerpoint/2010/main" val="2316544733"/>
+        <p14:creationId xmlns:p14="http://schemas.microsoft.com/office/powerpoint/2010/main" val="3320306300"/>
       </p:ext>
     </p:extLst>
   </p:cSld>
@@ -5408,7 +7992,7 @@
           <p:cNvPr id="2" name="Title 1">
             <a:extLst>
               <a:ext uri="{FF2B5EF4-FFF2-40B4-BE49-F238E27FC236}">
-                <a16:creationId xmlns:a16="http://schemas.microsoft.com/office/drawing/2014/main" id="{7B122A6F-1862-46F5-80EA-249D4EBCDDCC}"/>
+                <a16:creationId xmlns:a16="http://schemas.microsoft.com/office/drawing/2014/main" id="{026E605C-CAE5-43D9-8422-DA592C92C18E}"/>
               </a:ext>
             </a:extLst>
           </p:cNvPr>
@@ -5426,7 +8010,7 @@
           <a:p>
             <a:r>
               <a:rPr lang="en-US" dirty="0"/>
-              <a:t>Q &amp; A</a:t>
+              <a:t>Configuration Template</a:t>
             </a:r>
           </a:p>
         </p:txBody>
@@ -5436,7 +8020,7 @@
           <p:cNvPr id="3" name="Content Placeholder 2">
             <a:extLst>
               <a:ext uri="{FF2B5EF4-FFF2-40B4-BE49-F238E27FC236}">
-                <a16:creationId xmlns:a16="http://schemas.microsoft.com/office/drawing/2014/main" id="{1CCF0CBD-07CE-45A2-9F21-2BA9E99DBEBB}"/>
+                <a16:creationId xmlns:a16="http://schemas.microsoft.com/office/drawing/2014/main" id="{A715E5CC-E5D6-49AC-BC8D-DA57C2F7412D}"/>
               </a:ext>
             </a:extLst>
           </p:cNvPr>
@@ -5447,19 +8031,95 @@
             <p:ph idx="1"/>
           </p:nvPr>
         </p:nvSpPr>
-        <p:spPr/>
+        <p:spPr>
+          <a:xfrm>
+            <a:off x="7243010" y="1825625"/>
+            <a:ext cx="4110789" cy="4351338"/>
+          </a:xfrm>
+          <a:ln>
+            <a:solidFill>
+              <a:schemeClr val="tx1"/>
+            </a:solidFill>
+          </a:ln>
+        </p:spPr>
         <p:txBody>
           <a:bodyPr/>
           <a:lstStyle/>
           <a:p>
-            <a:endParaRPr lang="en-US"/>
-          </a:p>
-        </p:txBody>
-      </p:sp>
+            <a:r>
+              <a:rPr lang="en-US" dirty="0"/>
+              <a:t>{} indicate start and end of a phrase</a:t>
+            </a:r>
+          </a:p>
+          <a:p>
+            <a:pPr lvl="1"/>
+            <a:r>
+              <a:rPr lang="en-US" dirty="0"/>
+              <a:t>There one event that this doesn’t work with</a:t>
+            </a:r>
+          </a:p>
+          <a:p>
+            <a:r>
+              <a:rPr lang="en-US" dirty="0"/>
+              <a:t>; separates each phrase</a:t>
+            </a:r>
+          </a:p>
+          <a:p>
+            <a:r>
+              <a:rPr lang="en-US" dirty="0"/>
+              <a:t>Keyword, like start and end, indicates a new section</a:t>
+            </a:r>
+          </a:p>
+          <a:p>
+            <a:r>
+              <a:rPr lang="en-US" dirty="0"/>
+              <a:t>Read in using </a:t>
+            </a:r>
+            <a:r>
+              <a:rPr lang="en-US" dirty="0" err="1"/>
+              <a:t>FileReader</a:t>
+            </a:r>
+            <a:r>
+              <a:rPr lang="en-US" dirty="0"/>
+              <a:t> and string manipulation</a:t>
+            </a:r>
+          </a:p>
+        </p:txBody>
+      </p:sp>
+      <p:pic>
+        <p:nvPicPr>
+          <p:cNvPr id="5" name="Picture 4">
+            <a:extLst>
+              <a:ext uri="{FF2B5EF4-FFF2-40B4-BE49-F238E27FC236}">
+                <a16:creationId xmlns:a16="http://schemas.microsoft.com/office/drawing/2014/main" id="{C2325750-C9F0-4819-BD8C-87F416599316}"/>
+              </a:ext>
+            </a:extLst>
+          </p:cNvPr>
+          <p:cNvPicPr>
+            <a:picLocks noChangeAspect="1"/>
+          </p:cNvPicPr>
+          <p:nvPr/>
+        </p:nvPicPr>
+        <p:blipFill>
+          <a:blip r:embed="rId2"/>
+          <a:stretch>
+            <a:fillRect/>
+          </a:stretch>
+        </p:blipFill>
+        <p:spPr>
+          <a:xfrm>
+            <a:off x="684847" y="1825624"/>
+            <a:ext cx="6189289" cy="4372339"/>
+          </a:xfrm>
+          <a:prstGeom prst="rect">
+            <a:avLst/>
+          </a:prstGeom>
+        </p:spPr>
+      </p:pic>
     </p:spTree>
     <p:extLst>
       <p:ext uri="{BB962C8B-B14F-4D97-AF65-F5344CB8AC3E}">
-        <p14:creationId xmlns:p14="http://schemas.microsoft.com/office/powerpoint/2010/main" val="3562861753"/>
+        <p14:creationId xmlns:p14="http://schemas.microsoft.com/office/powerpoint/2010/main" val="3501760682"/>
       </p:ext>
     </p:extLst>
   </p:cSld>
